--- a/docs/dnn.pptx
+++ b/docs/dnn.pptx
@@ -104,6 +104,11 @@
       </a:defRPr>
     </a:lvl9pPr>
   </p:defaultTextStyle>
+  <p:extLst>
+    <p:ext uri="{EFAFB233-063F-42B5-8137-9DF3F51BA10A}">
+      <p15:sldGuideLst xmlns:p15="http://schemas.microsoft.com/office/powerpoint/2012/main"/>
+    </p:ext>
+  </p:extLst>
 </p:presentation>
 </file>
 
@@ -2968,1718 +2973,1739 @@
           <a:chExt cx="0" cy="0"/>
         </a:xfrm>
       </p:grpSpPr>
-      <p:sp>
-        <p:nvSpPr>
-          <p:cNvPr id="5" name="Rectangle: Rounded Corners 4">
+      <p:grpSp>
+        <p:nvGrpSpPr>
+          <p:cNvPr id="2" name="Group 1">
             <a:extLst>
               <a:ext uri="{FF2B5EF4-FFF2-40B4-BE49-F238E27FC236}">
-                <a16:creationId xmlns:a16="http://schemas.microsoft.com/office/drawing/2014/main" id="{999104FB-D8EF-4F5B-A4B3-EF43816C430A}"/>
+                <a16:creationId xmlns:a16="http://schemas.microsoft.com/office/drawing/2014/main" id="{03AA6D25-0BA4-4D8F-B522-EA1355AC9549}"/>
               </a:ext>
             </a:extLst>
           </p:cNvPr>
-          <p:cNvSpPr/>
+          <p:cNvGrpSpPr/>
           <p:nvPr/>
-        </p:nvSpPr>
-        <p:spPr>
-          <a:xfrm rot="16200000">
-            <a:off x="2718728" y="3153637"/>
-            <a:ext cx="1111827" cy="550724"/>
+        </p:nvGrpSpPr>
+        <p:grpSpPr>
+          <a:xfrm>
+            <a:off x="202388" y="2667762"/>
+            <a:ext cx="14332762" cy="1732789"/>
+            <a:chOff x="364313" y="2638427"/>
+            <a:chExt cx="12324568" cy="1512322"/>
           </a:xfrm>
-          <a:prstGeom prst="roundRect">
-            <a:avLst/>
-          </a:prstGeom>
-        </p:spPr>
-        <p:style>
-          <a:lnRef idx="2">
-            <a:schemeClr val="accent1">
-              <a:shade val="50000"/>
-            </a:schemeClr>
-          </a:lnRef>
-          <a:fillRef idx="1">
-            <a:schemeClr val="accent1"/>
-          </a:fillRef>
-          <a:effectRef idx="0">
-            <a:schemeClr val="accent1"/>
-          </a:effectRef>
-          <a:fontRef idx="minor">
-            <a:schemeClr val="lt1"/>
-          </a:fontRef>
-        </p:style>
-        <p:txBody>
-          <a:bodyPr rot="0" spcFirstLastPara="0" vertOverflow="overflow" horzOverflow="overflow" vert="horz" wrap="square" lIns="91440" tIns="45720" rIns="91440" bIns="45720" numCol="1" spcCol="0" rtlCol="0" fromWordArt="0" anchor="ctr" anchorCtr="0" forceAA="0" compatLnSpc="1">
-            <a:prstTxWarp prst="textNoShape">
+        </p:grpSpPr>
+        <p:sp>
+          <p:nvSpPr>
+            <p:cNvPr id="5" name="Rectangle: Rounded Corners 4">
+              <a:extLst>
+                <a:ext uri="{FF2B5EF4-FFF2-40B4-BE49-F238E27FC236}">
+                  <a16:creationId xmlns:a16="http://schemas.microsoft.com/office/drawing/2014/main" id="{999104FB-D8EF-4F5B-A4B3-EF43816C430A}"/>
+                </a:ext>
+              </a:extLst>
+            </p:cNvPr>
+            <p:cNvSpPr/>
+            <p:nvPr/>
+          </p:nvSpPr>
+          <p:spPr>
+            <a:xfrm rot="16200000">
+              <a:off x="1651929" y="2934562"/>
+              <a:ext cx="1111827" cy="550724"/>
+            </a:xfrm>
+            <a:prstGeom prst="roundRect">
               <a:avLst/>
-            </a:prstTxWarp>
-            <a:noAutofit/>
-          </a:bodyPr>
-          <a:lstStyle/>
-          <a:p>
-            <a:pPr algn="ctr"/>
-            <a:r>
-              <a:rPr lang="pt-BR" sz="2000" dirty="0"/>
-              <a:t>Conv</a:t>
-            </a:r>
-          </a:p>
-          <a:p>
-            <a:pPr algn="ctr"/>
-            <a:r>
-              <a:rPr lang="pt-BR" sz="1100" dirty="0"/>
-              <a:t>(32 3x3)</a:t>
-            </a:r>
-            <a:endParaRPr lang="pt-BR" sz="2000" dirty="0"/>
-          </a:p>
-        </p:txBody>
-      </p:sp>
-      <p:sp>
-        <p:nvSpPr>
-          <p:cNvPr id="13" name="Rectangle: Rounded Corners 12">
-            <a:extLst>
-              <a:ext uri="{FF2B5EF4-FFF2-40B4-BE49-F238E27FC236}">
-                <a16:creationId xmlns:a16="http://schemas.microsoft.com/office/drawing/2014/main" id="{D79C5710-B89B-4408-B5AB-73D6E66E00F5}"/>
-              </a:ext>
-            </a:extLst>
-          </p:cNvPr>
-          <p:cNvSpPr/>
-          <p:nvPr/>
-        </p:nvSpPr>
-        <p:spPr>
-          <a:xfrm rot="16200000">
-            <a:off x="3447830" y="3153636"/>
-            <a:ext cx="1111827" cy="550724"/>
-          </a:xfrm>
-          <a:prstGeom prst="roundRect">
-            <a:avLst/>
-          </a:prstGeom>
-          <a:solidFill>
-            <a:schemeClr val="accent2"/>
-          </a:solidFill>
-          <a:ln>
+            </a:prstGeom>
+          </p:spPr>
+          <p:style>
+            <a:lnRef idx="2">
+              <a:schemeClr val="accent1">
+                <a:shade val="50000"/>
+              </a:schemeClr>
+            </a:lnRef>
+            <a:fillRef idx="1">
+              <a:schemeClr val="accent1"/>
+            </a:fillRef>
+            <a:effectRef idx="0">
+              <a:schemeClr val="accent1"/>
+            </a:effectRef>
+            <a:fontRef idx="minor">
+              <a:schemeClr val="lt1"/>
+            </a:fontRef>
+          </p:style>
+          <p:txBody>
+            <a:bodyPr rot="0" spcFirstLastPara="0" vertOverflow="overflow" horzOverflow="overflow" vert="horz" wrap="square" lIns="91440" tIns="45720" rIns="91440" bIns="45720" numCol="1" spcCol="0" rtlCol="0" fromWordArt="0" anchor="ctr" anchorCtr="0" forceAA="0" compatLnSpc="1">
+              <a:prstTxWarp prst="textNoShape">
+                <a:avLst/>
+              </a:prstTxWarp>
+              <a:noAutofit/>
+            </a:bodyPr>
+            <a:lstStyle/>
+            <a:p>
+              <a:pPr algn="ctr"/>
+              <a:r>
+                <a:rPr lang="pt-BR" sz="2000" dirty="0"/>
+                <a:t>Conv</a:t>
+              </a:r>
+            </a:p>
+            <a:p>
+              <a:pPr algn="ctr"/>
+              <a:r>
+                <a:rPr lang="pt-BR" sz="1100" dirty="0"/>
+                <a:t>(32 3x3)</a:t>
+              </a:r>
+              <a:endParaRPr lang="pt-BR" sz="2000" dirty="0"/>
+            </a:p>
+          </p:txBody>
+        </p:sp>
+        <p:sp>
+          <p:nvSpPr>
+            <p:cNvPr id="13" name="Rectangle: Rounded Corners 12">
+              <a:extLst>
+                <a:ext uri="{FF2B5EF4-FFF2-40B4-BE49-F238E27FC236}">
+                  <a16:creationId xmlns:a16="http://schemas.microsoft.com/office/drawing/2014/main" id="{D79C5710-B89B-4408-B5AB-73D6E66E00F5}"/>
+                </a:ext>
+              </a:extLst>
+            </p:cNvPr>
+            <p:cNvSpPr/>
+            <p:nvPr/>
+          </p:nvSpPr>
+          <p:spPr>
+            <a:xfrm rot="16200000">
+              <a:off x="2381031" y="2934561"/>
+              <a:ext cx="1111827" cy="550724"/>
+            </a:xfrm>
+            <a:prstGeom prst="roundRect">
+              <a:avLst/>
+            </a:prstGeom>
             <a:solidFill>
               <a:schemeClr val="accent2"/>
             </a:solidFill>
-          </a:ln>
-        </p:spPr>
-        <p:style>
-          <a:lnRef idx="2">
-            <a:schemeClr val="accent1">
-              <a:shade val="50000"/>
-            </a:schemeClr>
-          </a:lnRef>
-          <a:fillRef idx="1">
-            <a:schemeClr val="accent1"/>
-          </a:fillRef>
-          <a:effectRef idx="0">
-            <a:schemeClr val="accent1"/>
-          </a:effectRef>
-          <a:fontRef idx="minor">
-            <a:schemeClr val="lt1"/>
-          </a:fontRef>
-        </p:style>
-        <p:txBody>
-          <a:bodyPr rot="0" spcFirstLastPara="0" vertOverflow="overflow" horzOverflow="overflow" vert="horz" wrap="square" lIns="91440" tIns="45720" rIns="91440" bIns="45720" numCol="1" spcCol="0" rtlCol="0" fromWordArt="0" anchor="ctr" anchorCtr="0" forceAA="0" compatLnSpc="1">
-            <a:prstTxWarp prst="textNoShape">
+            <a:ln>
+              <a:solidFill>
+                <a:schemeClr val="accent2"/>
+              </a:solidFill>
+            </a:ln>
+          </p:spPr>
+          <p:style>
+            <a:lnRef idx="2">
+              <a:schemeClr val="accent1">
+                <a:shade val="50000"/>
+              </a:schemeClr>
+            </a:lnRef>
+            <a:fillRef idx="1">
+              <a:schemeClr val="accent1"/>
+            </a:fillRef>
+            <a:effectRef idx="0">
+              <a:schemeClr val="accent1"/>
+            </a:effectRef>
+            <a:fontRef idx="minor">
+              <a:schemeClr val="lt1"/>
+            </a:fontRef>
+          </p:style>
+          <p:txBody>
+            <a:bodyPr rot="0" spcFirstLastPara="0" vertOverflow="overflow" horzOverflow="overflow" vert="horz" wrap="square" lIns="91440" tIns="45720" rIns="91440" bIns="45720" numCol="1" spcCol="0" rtlCol="0" fromWordArt="0" anchor="ctr" anchorCtr="0" forceAA="0" compatLnSpc="1">
+              <a:prstTxWarp prst="textNoShape">
+                <a:avLst/>
+              </a:prstTxWarp>
+              <a:noAutofit/>
+            </a:bodyPr>
+            <a:lstStyle/>
+            <a:p>
+              <a:pPr algn="ctr"/>
+              <a:r>
+                <a:rPr lang="pt-BR" sz="2000" dirty="0"/>
+                <a:t>ReLU</a:t>
+              </a:r>
+            </a:p>
+          </p:txBody>
+        </p:sp>
+        <p:sp>
+          <p:nvSpPr>
+            <p:cNvPr id="16" name="Rectangle: Rounded Corners 15">
+              <a:extLst>
+                <a:ext uri="{FF2B5EF4-FFF2-40B4-BE49-F238E27FC236}">
+                  <a16:creationId xmlns:a16="http://schemas.microsoft.com/office/drawing/2014/main" id="{0F560156-D95C-48ED-8E2D-669977694205}"/>
+                </a:ext>
+              </a:extLst>
+            </p:cNvPr>
+            <p:cNvSpPr/>
+            <p:nvPr/>
+          </p:nvSpPr>
+          <p:spPr>
+            <a:xfrm rot="16200000">
+              <a:off x="3110134" y="2934562"/>
+              <a:ext cx="1111827" cy="550724"/>
+            </a:xfrm>
+            <a:prstGeom prst="roundRect">
               <a:avLst/>
-            </a:prstTxWarp>
-            <a:noAutofit/>
-          </a:bodyPr>
-          <a:lstStyle/>
-          <a:p>
-            <a:pPr algn="ctr"/>
-            <a:r>
-              <a:rPr lang="pt-BR" sz="2000" dirty="0"/>
-              <a:t>ReLU</a:t>
-            </a:r>
-          </a:p>
-        </p:txBody>
-      </p:sp>
-      <p:sp>
-        <p:nvSpPr>
-          <p:cNvPr id="16" name="Rectangle: Rounded Corners 15">
-            <a:extLst>
-              <a:ext uri="{FF2B5EF4-FFF2-40B4-BE49-F238E27FC236}">
-                <a16:creationId xmlns:a16="http://schemas.microsoft.com/office/drawing/2014/main" id="{0F560156-D95C-48ED-8E2D-669977694205}"/>
-              </a:ext>
-            </a:extLst>
-          </p:cNvPr>
-          <p:cNvSpPr/>
-          <p:nvPr/>
-        </p:nvSpPr>
-        <p:spPr>
-          <a:xfrm rot="16200000">
-            <a:off x="4176933" y="3153637"/>
-            <a:ext cx="1111827" cy="550724"/>
-          </a:xfrm>
-          <a:prstGeom prst="roundRect">
-            <a:avLst/>
-          </a:prstGeom>
-        </p:spPr>
-        <p:style>
-          <a:lnRef idx="2">
-            <a:schemeClr val="accent1">
-              <a:shade val="50000"/>
-            </a:schemeClr>
-          </a:lnRef>
-          <a:fillRef idx="1">
-            <a:schemeClr val="accent1"/>
-          </a:fillRef>
-          <a:effectRef idx="0">
-            <a:schemeClr val="accent1"/>
-          </a:effectRef>
-          <a:fontRef idx="minor">
-            <a:schemeClr val="lt1"/>
-          </a:fontRef>
-        </p:style>
-        <p:txBody>
-          <a:bodyPr rot="0" spcFirstLastPara="0" vertOverflow="overflow" horzOverflow="overflow" vert="horz" wrap="square" lIns="91440" tIns="45720" rIns="91440" bIns="45720" numCol="1" spcCol="0" rtlCol="0" fromWordArt="0" anchor="ctr" anchorCtr="0" forceAA="0" compatLnSpc="1">
-            <a:prstTxWarp prst="textNoShape">
+            </a:prstGeom>
+          </p:spPr>
+          <p:style>
+            <a:lnRef idx="2">
+              <a:schemeClr val="accent1">
+                <a:shade val="50000"/>
+              </a:schemeClr>
+            </a:lnRef>
+            <a:fillRef idx="1">
+              <a:schemeClr val="accent1"/>
+            </a:fillRef>
+            <a:effectRef idx="0">
+              <a:schemeClr val="accent1"/>
+            </a:effectRef>
+            <a:fontRef idx="minor">
+              <a:schemeClr val="lt1"/>
+            </a:fontRef>
+          </p:style>
+          <p:txBody>
+            <a:bodyPr rot="0" spcFirstLastPara="0" vertOverflow="overflow" horzOverflow="overflow" vert="horz" wrap="square" lIns="91440" tIns="45720" rIns="91440" bIns="45720" numCol="1" spcCol="0" rtlCol="0" fromWordArt="0" anchor="ctr" anchorCtr="0" forceAA="0" compatLnSpc="1">
+              <a:prstTxWarp prst="textNoShape">
+                <a:avLst/>
+              </a:prstTxWarp>
+              <a:noAutofit/>
+            </a:bodyPr>
+            <a:lstStyle/>
+            <a:p>
+              <a:pPr algn="ctr"/>
+              <a:r>
+                <a:rPr lang="pt-BR" sz="2000" dirty="0"/>
+                <a:t>Conv</a:t>
+              </a:r>
+            </a:p>
+            <a:p>
+              <a:pPr algn="ctr"/>
+              <a:r>
+                <a:rPr lang="pt-BR" sz="1100" dirty="0"/>
+                <a:t>(32 3x3)</a:t>
+              </a:r>
+              <a:endParaRPr lang="pt-BR" sz="2000" dirty="0"/>
+            </a:p>
+          </p:txBody>
+        </p:sp>
+        <p:sp>
+          <p:nvSpPr>
+            <p:cNvPr id="17" name="Rectangle: Rounded Corners 16">
+              <a:extLst>
+                <a:ext uri="{FF2B5EF4-FFF2-40B4-BE49-F238E27FC236}">
+                  <a16:creationId xmlns:a16="http://schemas.microsoft.com/office/drawing/2014/main" id="{49E7E73A-D126-49AC-8255-13B466C287BA}"/>
+                </a:ext>
+              </a:extLst>
+            </p:cNvPr>
+            <p:cNvSpPr/>
+            <p:nvPr/>
+          </p:nvSpPr>
+          <p:spPr>
+            <a:xfrm rot="16200000">
+              <a:off x="3839236" y="2934562"/>
+              <a:ext cx="1111827" cy="550724"/>
+            </a:xfrm>
+            <a:prstGeom prst="roundRect">
               <a:avLst/>
-            </a:prstTxWarp>
-            <a:noAutofit/>
-          </a:bodyPr>
-          <a:lstStyle/>
-          <a:p>
-            <a:pPr algn="ctr"/>
-            <a:r>
-              <a:rPr lang="pt-BR" sz="2000" dirty="0"/>
-              <a:t>Conv</a:t>
-            </a:r>
-          </a:p>
-          <a:p>
-            <a:pPr algn="ctr"/>
-            <a:r>
-              <a:rPr lang="pt-BR" sz="1100" dirty="0"/>
-              <a:t>(32 3x3)</a:t>
-            </a:r>
-            <a:endParaRPr lang="pt-BR" sz="2000" dirty="0"/>
-          </a:p>
-        </p:txBody>
-      </p:sp>
-      <p:sp>
-        <p:nvSpPr>
-          <p:cNvPr id="17" name="Rectangle: Rounded Corners 16">
-            <a:extLst>
-              <a:ext uri="{FF2B5EF4-FFF2-40B4-BE49-F238E27FC236}">
-                <a16:creationId xmlns:a16="http://schemas.microsoft.com/office/drawing/2014/main" id="{49E7E73A-D126-49AC-8255-13B466C287BA}"/>
-              </a:ext>
-            </a:extLst>
-          </p:cNvPr>
-          <p:cNvSpPr/>
-          <p:nvPr/>
-        </p:nvSpPr>
-        <p:spPr>
-          <a:xfrm rot="16200000">
-            <a:off x="4906035" y="3153637"/>
-            <a:ext cx="1111827" cy="550724"/>
-          </a:xfrm>
-          <a:prstGeom prst="roundRect">
-            <a:avLst/>
-          </a:prstGeom>
-          <a:solidFill>
-            <a:schemeClr val="accent2"/>
-          </a:solidFill>
-          <a:ln>
+            </a:prstGeom>
             <a:solidFill>
               <a:schemeClr val="accent2"/>
             </a:solidFill>
-          </a:ln>
-        </p:spPr>
-        <p:style>
-          <a:lnRef idx="2">
-            <a:schemeClr val="accent1">
-              <a:shade val="50000"/>
-            </a:schemeClr>
-          </a:lnRef>
-          <a:fillRef idx="1">
-            <a:schemeClr val="accent1"/>
-          </a:fillRef>
-          <a:effectRef idx="0">
-            <a:schemeClr val="accent1"/>
-          </a:effectRef>
-          <a:fontRef idx="minor">
-            <a:schemeClr val="lt1"/>
-          </a:fontRef>
-        </p:style>
-        <p:txBody>
-          <a:bodyPr rot="0" spcFirstLastPara="0" vertOverflow="overflow" horzOverflow="overflow" vert="horz" wrap="square" lIns="91440" tIns="45720" rIns="91440" bIns="45720" numCol="1" spcCol="0" rtlCol="0" fromWordArt="0" anchor="ctr" anchorCtr="0" forceAA="0" compatLnSpc="1">
-            <a:prstTxWarp prst="textNoShape">
+            <a:ln>
+              <a:solidFill>
+                <a:schemeClr val="accent2"/>
+              </a:solidFill>
+            </a:ln>
+          </p:spPr>
+          <p:style>
+            <a:lnRef idx="2">
+              <a:schemeClr val="accent1">
+                <a:shade val="50000"/>
+              </a:schemeClr>
+            </a:lnRef>
+            <a:fillRef idx="1">
+              <a:schemeClr val="accent1"/>
+            </a:fillRef>
+            <a:effectRef idx="0">
+              <a:schemeClr val="accent1"/>
+            </a:effectRef>
+            <a:fontRef idx="minor">
+              <a:schemeClr val="lt1"/>
+            </a:fontRef>
+          </p:style>
+          <p:txBody>
+            <a:bodyPr rot="0" spcFirstLastPara="0" vertOverflow="overflow" horzOverflow="overflow" vert="horz" wrap="square" lIns="91440" tIns="45720" rIns="91440" bIns="45720" numCol="1" spcCol="0" rtlCol="0" fromWordArt="0" anchor="ctr" anchorCtr="0" forceAA="0" compatLnSpc="1">
+              <a:prstTxWarp prst="textNoShape">
+                <a:avLst/>
+              </a:prstTxWarp>
+              <a:noAutofit/>
+            </a:bodyPr>
+            <a:lstStyle/>
+            <a:p>
+              <a:pPr algn="ctr"/>
+              <a:r>
+                <a:rPr lang="pt-BR" sz="2000" dirty="0"/>
+                <a:t>ReLU</a:t>
+              </a:r>
+            </a:p>
+          </p:txBody>
+        </p:sp>
+        <p:sp>
+          <p:nvSpPr>
+            <p:cNvPr id="18" name="Rectangle: Rounded Corners 17">
+              <a:extLst>
+                <a:ext uri="{FF2B5EF4-FFF2-40B4-BE49-F238E27FC236}">
+                  <a16:creationId xmlns:a16="http://schemas.microsoft.com/office/drawing/2014/main" id="{70BEA749-9C13-4692-86EF-FE375238A728}"/>
+                </a:ext>
+              </a:extLst>
+            </p:cNvPr>
+            <p:cNvSpPr/>
+            <p:nvPr/>
+          </p:nvSpPr>
+          <p:spPr>
+            <a:xfrm rot="16200000">
+              <a:off x="4568338" y="2934563"/>
+              <a:ext cx="1111827" cy="550725"/>
+            </a:xfrm>
+            <a:prstGeom prst="roundRect">
               <a:avLst/>
-            </a:prstTxWarp>
-            <a:noAutofit/>
-          </a:bodyPr>
-          <a:lstStyle/>
-          <a:p>
-            <a:pPr algn="ctr"/>
-            <a:r>
-              <a:rPr lang="pt-BR" sz="2000" dirty="0"/>
-              <a:t>ReLU</a:t>
-            </a:r>
-          </a:p>
-        </p:txBody>
-      </p:sp>
-      <p:sp>
-        <p:nvSpPr>
-          <p:cNvPr id="18" name="Rectangle: Rounded Corners 17">
-            <a:extLst>
-              <a:ext uri="{FF2B5EF4-FFF2-40B4-BE49-F238E27FC236}">
-                <a16:creationId xmlns:a16="http://schemas.microsoft.com/office/drawing/2014/main" id="{70BEA749-9C13-4692-86EF-FE375238A728}"/>
-              </a:ext>
-            </a:extLst>
-          </p:cNvPr>
-          <p:cNvSpPr/>
-          <p:nvPr/>
-        </p:nvSpPr>
-        <p:spPr>
-          <a:xfrm rot="16200000">
-            <a:off x="5635137" y="3153638"/>
-            <a:ext cx="1111827" cy="550725"/>
-          </a:xfrm>
-          <a:prstGeom prst="roundRect">
-            <a:avLst/>
-          </a:prstGeom>
-          <a:solidFill>
-            <a:srgbClr val="FF5050"/>
-          </a:solidFill>
-          <a:ln>
+            </a:prstGeom>
             <a:solidFill>
               <a:srgbClr val="FF5050"/>
             </a:solidFill>
-          </a:ln>
-        </p:spPr>
-        <p:style>
-          <a:lnRef idx="2">
-            <a:schemeClr val="accent1">
-              <a:shade val="50000"/>
-            </a:schemeClr>
-          </a:lnRef>
-          <a:fillRef idx="1">
-            <a:schemeClr val="accent1"/>
-          </a:fillRef>
-          <a:effectRef idx="0">
-            <a:schemeClr val="accent1"/>
-          </a:effectRef>
-          <a:fontRef idx="minor">
-            <a:schemeClr val="lt1"/>
-          </a:fontRef>
-        </p:style>
-        <p:txBody>
-          <a:bodyPr rot="0" spcFirstLastPara="0" vertOverflow="overflow" horzOverflow="overflow" vert="horz" wrap="square" lIns="91440" tIns="45720" rIns="91440" bIns="45720" numCol="1" spcCol="0" rtlCol="0" fromWordArt="0" anchor="ctr" anchorCtr="0" forceAA="0" compatLnSpc="1">
-            <a:prstTxWarp prst="textNoShape">
+            <a:ln>
+              <a:solidFill>
+                <a:srgbClr val="FF5050"/>
+              </a:solidFill>
+            </a:ln>
+          </p:spPr>
+          <p:style>
+            <a:lnRef idx="2">
+              <a:schemeClr val="accent1">
+                <a:shade val="50000"/>
+              </a:schemeClr>
+            </a:lnRef>
+            <a:fillRef idx="1">
+              <a:schemeClr val="accent1"/>
+            </a:fillRef>
+            <a:effectRef idx="0">
+              <a:schemeClr val="accent1"/>
+            </a:effectRef>
+            <a:fontRef idx="minor">
+              <a:schemeClr val="lt1"/>
+            </a:fontRef>
+          </p:style>
+          <p:txBody>
+            <a:bodyPr rot="0" spcFirstLastPara="0" vertOverflow="overflow" horzOverflow="overflow" vert="horz" wrap="square" lIns="91440" tIns="45720" rIns="91440" bIns="45720" numCol="1" spcCol="0" rtlCol="0" fromWordArt="0" anchor="ctr" anchorCtr="0" forceAA="0" compatLnSpc="1">
+              <a:prstTxWarp prst="textNoShape">
+                <a:avLst/>
+              </a:prstTxWarp>
+              <a:noAutofit/>
+            </a:bodyPr>
+            <a:lstStyle/>
+            <a:p>
+              <a:pPr algn="ctr"/>
+              <a:r>
+                <a:rPr lang="pt-BR" dirty="0"/>
+                <a:t>MaxPool</a:t>
+              </a:r>
+            </a:p>
+            <a:p>
+              <a:pPr algn="ctr"/>
+              <a:r>
+                <a:rPr lang="pt-BR" sz="1050" dirty="0"/>
+                <a:t>(2x2)</a:t>
+              </a:r>
+              <a:endParaRPr lang="pt-BR" dirty="0"/>
+            </a:p>
+          </p:txBody>
+        </p:sp>
+        <p:sp>
+          <p:nvSpPr>
+            <p:cNvPr id="19" name="Rectangle: Rounded Corners 18">
+              <a:extLst>
+                <a:ext uri="{FF2B5EF4-FFF2-40B4-BE49-F238E27FC236}">
+                  <a16:creationId xmlns:a16="http://schemas.microsoft.com/office/drawing/2014/main" id="{2CF84E4B-7572-451C-80DF-7A7D2452D7F9}"/>
+                </a:ext>
+              </a:extLst>
+            </p:cNvPr>
+            <p:cNvSpPr/>
+            <p:nvPr/>
+          </p:nvSpPr>
+          <p:spPr>
+            <a:xfrm rot="16200000">
+              <a:off x="5297440" y="2934562"/>
+              <a:ext cx="1111827" cy="550724"/>
+            </a:xfrm>
+            <a:prstGeom prst="roundRect">
               <a:avLst/>
-            </a:prstTxWarp>
-            <a:noAutofit/>
-          </a:bodyPr>
-          <a:lstStyle/>
-          <a:p>
-            <a:pPr algn="ctr"/>
-            <a:r>
-              <a:rPr lang="pt-BR" dirty="0"/>
-              <a:t>MaxPool</a:t>
-            </a:r>
-          </a:p>
-          <a:p>
-            <a:pPr algn="ctr"/>
-            <a:r>
-              <a:rPr lang="pt-BR" sz="1050" dirty="0"/>
-              <a:t>(2x2)</a:t>
-            </a:r>
-            <a:endParaRPr lang="pt-BR" dirty="0"/>
-          </a:p>
-        </p:txBody>
-      </p:sp>
-      <p:sp>
-        <p:nvSpPr>
-          <p:cNvPr id="19" name="Rectangle: Rounded Corners 18">
-            <a:extLst>
-              <a:ext uri="{FF2B5EF4-FFF2-40B4-BE49-F238E27FC236}">
-                <a16:creationId xmlns:a16="http://schemas.microsoft.com/office/drawing/2014/main" id="{2CF84E4B-7572-451C-80DF-7A7D2452D7F9}"/>
-              </a:ext>
-            </a:extLst>
-          </p:cNvPr>
-          <p:cNvSpPr/>
-          <p:nvPr/>
-        </p:nvSpPr>
-        <p:spPr>
-          <a:xfrm rot="16200000">
-            <a:off x="6364239" y="3153637"/>
-            <a:ext cx="1111827" cy="550724"/>
-          </a:xfrm>
-          <a:prstGeom prst="roundRect">
-            <a:avLst/>
-          </a:prstGeom>
-        </p:spPr>
-        <p:style>
-          <a:lnRef idx="2">
-            <a:schemeClr val="accent1">
-              <a:shade val="50000"/>
-            </a:schemeClr>
-          </a:lnRef>
-          <a:fillRef idx="1">
-            <a:schemeClr val="accent1"/>
-          </a:fillRef>
-          <a:effectRef idx="0">
-            <a:schemeClr val="accent1"/>
-          </a:effectRef>
-          <a:fontRef idx="minor">
-            <a:schemeClr val="lt1"/>
-          </a:fontRef>
-        </p:style>
-        <p:txBody>
-          <a:bodyPr rot="0" spcFirstLastPara="0" vertOverflow="overflow" horzOverflow="overflow" vert="horz" wrap="square" lIns="91440" tIns="45720" rIns="91440" bIns="45720" numCol="1" spcCol="0" rtlCol="0" fromWordArt="0" anchor="ctr" anchorCtr="0" forceAA="0" compatLnSpc="1">
-            <a:prstTxWarp prst="textNoShape">
+            </a:prstGeom>
+          </p:spPr>
+          <p:style>
+            <a:lnRef idx="2">
+              <a:schemeClr val="accent1">
+                <a:shade val="50000"/>
+              </a:schemeClr>
+            </a:lnRef>
+            <a:fillRef idx="1">
+              <a:schemeClr val="accent1"/>
+            </a:fillRef>
+            <a:effectRef idx="0">
+              <a:schemeClr val="accent1"/>
+            </a:effectRef>
+            <a:fontRef idx="minor">
+              <a:schemeClr val="lt1"/>
+            </a:fontRef>
+          </p:style>
+          <p:txBody>
+            <a:bodyPr rot="0" spcFirstLastPara="0" vertOverflow="overflow" horzOverflow="overflow" vert="horz" wrap="square" lIns="91440" tIns="45720" rIns="91440" bIns="45720" numCol="1" spcCol="0" rtlCol="0" fromWordArt="0" anchor="ctr" anchorCtr="0" forceAA="0" compatLnSpc="1">
+              <a:prstTxWarp prst="textNoShape">
+                <a:avLst/>
+              </a:prstTxWarp>
+              <a:noAutofit/>
+            </a:bodyPr>
+            <a:lstStyle/>
+            <a:p>
+              <a:pPr algn="ctr"/>
+              <a:r>
+                <a:rPr lang="pt-BR" sz="2000" dirty="0"/>
+                <a:t>Conv</a:t>
+              </a:r>
+            </a:p>
+            <a:p>
+              <a:pPr algn="ctr"/>
+              <a:r>
+                <a:rPr lang="pt-BR" sz="1100" dirty="0"/>
+                <a:t>(64 3x3)</a:t>
+              </a:r>
+              <a:endParaRPr lang="pt-BR" sz="2000" dirty="0"/>
+            </a:p>
+          </p:txBody>
+        </p:sp>
+        <p:sp>
+          <p:nvSpPr>
+            <p:cNvPr id="20" name="Rectangle: Rounded Corners 19">
+              <a:extLst>
+                <a:ext uri="{FF2B5EF4-FFF2-40B4-BE49-F238E27FC236}">
+                  <a16:creationId xmlns:a16="http://schemas.microsoft.com/office/drawing/2014/main" id="{FF57A888-B398-4339-A1D5-57AF5A17E99D}"/>
+                </a:ext>
+              </a:extLst>
+            </p:cNvPr>
+            <p:cNvSpPr/>
+            <p:nvPr/>
+          </p:nvSpPr>
+          <p:spPr>
+            <a:xfrm rot="16200000">
+              <a:off x="6026542" y="2934562"/>
+              <a:ext cx="1111827" cy="550724"/>
+            </a:xfrm>
+            <a:prstGeom prst="roundRect">
               <a:avLst/>
-            </a:prstTxWarp>
-            <a:noAutofit/>
-          </a:bodyPr>
-          <a:lstStyle/>
-          <a:p>
-            <a:pPr algn="ctr"/>
-            <a:r>
-              <a:rPr lang="pt-BR" sz="2000" dirty="0"/>
-              <a:t>Conv</a:t>
-            </a:r>
-          </a:p>
-          <a:p>
-            <a:pPr algn="ctr"/>
-            <a:r>
-              <a:rPr lang="pt-BR" sz="1100" dirty="0"/>
-              <a:t>(64 3x3)</a:t>
-            </a:r>
-            <a:endParaRPr lang="pt-BR" sz="2000" dirty="0"/>
-          </a:p>
-        </p:txBody>
-      </p:sp>
-      <p:sp>
-        <p:nvSpPr>
-          <p:cNvPr id="20" name="Rectangle: Rounded Corners 19">
-            <a:extLst>
-              <a:ext uri="{FF2B5EF4-FFF2-40B4-BE49-F238E27FC236}">
-                <a16:creationId xmlns:a16="http://schemas.microsoft.com/office/drawing/2014/main" id="{FF57A888-B398-4339-A1D5-57AF5A17E99D}"/>
-              </a:ext>
-            </a:extLst>
-          </p:cNvPr>
-          <p:cNvSpPr/>
-          <p:nvPr/>
-        </p:nvSpPr>
-        <p:spPr>
-          <a:xfrm rot="16200000">
-            <a:off x="7093341" y="3153637"/>
-            <a:ext cx="1111827" cy="550724"/>
-          </a:xfrm>
-          <a:prstGeom prst="roundRect">
-            <a:avLst/>
-          </a:prstGeom>
-          <a:solidFill>
-            <a:schemeClr val="accent2"/>
-          </a:solidFill>
-          <a:ln>
+            </a:prstGeom>
             <a:solidFill>
               <a:schemeClr val="accent2"/>
             </a:solidFill>
-          </a:ln>
-        </p:spPr>
-        <p:style>
-          <a:lnRef idx="2">
-            <a:schemeClr val="accent1">
-              <a:shade val="50000"/>
-            </a:schemeClr>
-          </a:lnRef>
-          <a:fillRef idx="1">
-            <a:schemeClr val="accent1"/>
-          </a:fillRef>
-          <a:effectRef idx="0">
-            <a:schemeClr val="accent1"/>
-          </a:effectRef>
-          <a:fontRef idx="minor">
-            <a:schemeClr val="lt1"/>
-          </a:fontRef>
-        </p:style>
-        <p:txBody>
-          <a:bodyPr rot="0" spcFirstLastPara="0" vertOverflow="overflow" horzOverflow="overflow" vert="horz" wrap="square" lIns="91440" tIns="45720" rIns="91440" bIns="45720" numCol="1" spcCol="0" rtlCol="0" fromWordArt="0" anchor="ctr" anchorCtr="0" forceAA="0" compatLnSpc="1">
-            <a:prstTxWarp prst="textNoShape">
+            <a:ln>
+              <a:solidFill>
+                <a:schemeClr val="accent2"/>
+              </a:solidFill>
+            </a:ln>
+          </p:spPr>
+          <p:style>
+            <a:lnRef idx="2">
+              <a:schemeClr val="accent1">
+                <a:shade val="50000"/>
+              </a:schemeClr>
+            </a:lnRef>
+            <a:fillRef idx="1">
+              <a:schemeClr val="accent1"/>
+            </a:fillRef>
+            <a:effectRef idx="0">
+              <a:schemeClr val="accent1"/>
+            </a:effectRef>
+            <a:fontRef idx="minor">
+              <a:schemeClr val="lt1"/>
+            </a:fontRef>
+          </p:style>
+          <p:txBody>
+            <a:bodyPr rot="0" spcFirstLastPara="0" vertOverflow="overflow" horzOverflow="overflow" vert="horz" wrap="square" lIns="91440" tIns="45720" rIns="91440" bIns="45720" numCol="1" spcCol="0" rtlCol="0" fromWordArt="0" anchor="ctr" anchorCtr="0" forceAA="0" compatLnSpc="1">
+              <a:prstTxWarp prst="textNoShape">
+                <a:avLst/>
+              </a:prstTxWarp>
+              <a:noAutofit/>
+            </a:bodyPr>
+            <a:lstStyle/>
+            <a:p>
+              <a:pPr algn="ctr"/>
+              <a:r>
+                <a:rPr lang="pt-BR" sz="2000" dirty="0"/>
+                <a:t>ReLU</a:t>
+              </a:r>
+            </a:p>
+          </p:txBody>
+        </p:sp>
+        <p:sp>
+          <p:nvSpPr>
+            <p:cNvPr id="21" name="Rectangle: Rounded Corners 20">
+              <a:extLst>
+                <a:ext uri="{FF2B5EF4-FFF2-40B4-BE49-F238E27FC236}">
+                  <a16:creationId xmlns:a16="http://schemas.microsoft.com/office/drawing/2014/main" id="{44B3D60A-BD5E-4923-97B4-15A21B427887}"/>
+                </a:ext>
+              </a:extLst>
+            </p:cNvPr>
+            <p:cNvSpPr/>
+            <p:nvPr/>
+          </p:nvSpPr>
+          <p:spPr>
+            <a:xfrm rot="16200000">
+              <a:off x="6755645" y="2934563"/>
+              <a:ext cx="1111827" cy="550724"/>
+            </a:xfrm>
+            <a:prstGeom prst="roundRect">
               <a:avLst/>
-            </a:prstTxWarp>
-            <a:noAutofit/>
-          </a:bodyPr>
-          <a:lstStyle/>
-          <a:p>
-            <a:pPr algn="ctr"/>
-            <a:r>
-              <a:rPr lang="pt-BR" sz="2000" dirty="0"/>
-              <a:t>ReLU</a:t>
-            </a:r>
-          </a:p>
-        </p:txBody>
-      </p:sp>
-      <p:sp>
-        <p:nvSpPr>
-          <p:cNvPr id="21" name="Rectangle: Rounded Corners 20">
-            <a:extLst>
-              <a:ext uri="{FF2B5EF4-FFF2-40B4-BE49-F238E27FC236}">
-                <a16:creationId xmlns:a16="http://schemas.microsoft.com/office/drawing/2014/main" id="{44B3D60A-BD5E-4923-97B4-15A21B427887}"/>
-              </a:ext>
-            </a:extLst>
-          </p:cNvPr>
-          <p:cNvSpPr/>
-          <p:nvPr/>
-        </p:nvSpPr>
-        <p:spPr>
-          <a:xfrm rot="16200000">
-            <a:off x="7822444" y="3153638"/>
-            <a:ext cx="1111827" cy="550724"/>
-          </a:xfrm>
-          <a:prstGeom prst="roundRect">
-            <a:avLst/>
-          </a:prstGeom>
-        </p:spPr>
-        <p:style>
-          <a:lnRef idx="2">
-            <a:schemeClr val="accent1">
-              <a:shade val="50000"/>
-            </a:schemeClr>
-          </a:lnRef>
-          <a:fillRef idx="1">
-            <a:schemeClr val="accent1"/>
-          </a:fillRef>
-          <a:effectRef idx="0">
-            <a:schemeClr val="accent1"/>
-          </a:effectRef>
-          <a:fontRef idx="minor">
-            <a:schemeClr val="lt1"/>
-          </a:fontRef>
-        </p:style>
-        <p:txBody>
-          <a:bodyPr rot="0" spcFirstLastPara="0" vertOverflow="overflow" horzOverflow="overflow" vert="horz" wrap="square" lIns="91440" tIns="45720" rIns="91440" bIns="45720" numCol="1" spcCol="0" rtlCol="0" fromWordArt="0" anchor="ctr" anchorCtr="0" forceAA="0" compatLnSpc="1">
-            <a:prstTxWarp prst="textNoShape">
+            </a:prstGeom>
+          </p:spPr>
+          <p:style>
+            <a:lnRef idx="2">
+              <a:schemeClr val="accent1">
+                <a:shade val="50000"/>
+              </a:schemeClr>
+            </a:lnRef>
+            <a:fillRef idx="1">
+              <a:schemeClr val="accent1"/>
+            </a:fillRef>
+            <a:effectRef idx="0">
+              <a:schemeClr val="accent1"/>
+            </a:effectRef>
+            <a:fontRef idx="minor">
+              <a:schemeClr val="lt1"/>
+            </a:fontRef>
+          </p:style>
+          <p:txBody>
+            <a:bodyPr rot="0" spcFirstLastPara="0" vertOverflow="overflow" horzOverflow="overflow" vert="horz" wrap="square" lIns="91440" tIns="45720" rIns="91440" bIns="45720" numCol="1" spcCol="0" rtlCol="0" fromWordArt="0" anchor="ctr" anchorCtr="0" forceAA="0" compatLnSpc="1">
+              <a:prstTxWarp prst="textNoShape">
+                <a:avLst/>
+              </a:prstTxWarp>
+              <a:noAutofit/>
+            </a:bodyPr>
+            <a:lstStyle/>
+            <a:p>
+              <a:pPr algn="ctr"/>
+              <a:r>
+                <a:rPr lang="pt-BR" sz="2000" dirty="0"/>
+                <a:t>Conv</a:t>
+              </a:r>
+            </a:p>
+            <a:p>
+              <a:pPr algn="ctr"/>
+              <a:r>
+                <a:rPr lang="pt-BR" sz="1100" dirty="0"/>
+                <a:t>(64 3x3)</a:t>
+              </a:r>
+              <a:endParaRPr lang="pt-BR" sz="2000" dirty="0"/>
+            </a:p>
+          </p:txBody>
+        </p:sp>
+        <p:sp>
+          <p:nvSpPr>
+            <p:cNvPr id="22" name="Rectangle: Rounded Corners 21">
+              <a:extLst>
+                <a:ext uri="{FF2B5EF4-FFF2-40B4-BE49-F238E27FC236}">
+                  <a16:creationId xmlns:a16="http://schemas.microsoft.com/office/drawing/2014/main" id="{0B49FE91-A0A1-45F5-A4D3-8698F85B689C}"/>
+                </a:ext>
+              </a:extLst>
+            </p:cNvPr>
+            <p:cNvSpPr/>
+            <p:nvPr/>
+          </p:nvSpPr>
+          <p:spPr>
+            <a:xfrm rot="16200000">
+              <a:off x="7484747" y="2934562"/>
+              <a:ext cx="1111827" cy="550724"/>
+            </a:xfrm>
+            <a:prstGeom prst="roundRect">
               <a:avLst/>
-            </a:prstTxWarp>
-            <a:noAutofit/>
-          </a:bodyPr>
-          <a:lstStyle/>
-          <a:p>
-            <a:pPr algn="ctr"/>
-            <a:r>
-              <a:rPr lang="pt-BR" sz="2000" dirty="0"/>
-              <a:t>Conv</a:t>
-            </a:r>
-          </a:p>
-          <a:p>
-            <a:pPr algn="ctr"/>
-            <a:r>
-              <a:rPr lang="pt-BR" sz="1100" dirty="0"/>
-              <a:t>(64 3x3)</a:t>
-            </a:r>
-            <a:endParaRPr lang="pt-BR" sz="2000" dirty="0"/>
-          </a:p>
-        </p:txBody>
-      </p:sp>
-      <p:sp>
-        <p:nvSpPr>
-          <p:cNvPr id="22" name="Rectangle: Rounded Corners 21">
-            <a:extLst>
-              <a:ext uri="{FF2B5EF4-FFF2-40B4-BE49-F238E27FC236}">
-                <a16:creationId xmlns:a16="http://schemas.microsoft.com/office/drawing/2014/main" id="{0B49FE91-A0A1-45F5-A4D3-8698F85B689C}"/>
-              </a:ext>
-            </a:extLst>
-          </p:cNvPr>
-          <p:cNvSpPr/>
-          <p:nvPr/>
-        </p:nvSpPr>
-        <p:spPr>
-          <a:xfrm rot="16200000">
-            <a:off x="8551546" y="3153637"/>
-            <a:ext cx="1111827" cy="550724"/>
-          </a:xfrm>
-          <a:prstGeom prst="roundRect">
-            <a:avLst/>
-          </a:prstGeom>
-          <a:solidFill>
-            <a:schemeClr val="accent2"/>
-          </a:solidFill>
-          <a:ln>
+            </a:prstGeom>
             <a:solidFill>
               <a:schemeClr val="accent2"/>
             </a:solidFill>
-          </a:ln>
-        </p:spPr>
-        <p:style>
-          <a:lnRef idx="2">
-            <a:schemeClr val="accent1">
-              <a:shade val="50000"/>
-            </a:schemeClr>
-          </a:lnRef>
-          <a:fillRef idx="1">
-            <a:schemeClr val="accent1"/>
-          </a:fillRef>
-          <a:effectRef idx="0">
-            <a:schemeClr val="accent1"/>
-          </a:effectRef>
-          <a:fontRef idx="minor">
-            <a:schemeClr val="lt1"/>
-          </a:fontRef>
-        </p:style>
-        <p:txBody>
-          <a:bodyPr rot="0" spcFirstLastPara="0" vertOverflow="overflow" horzOverflow="overflow" vert="horz" wrap="square" lIns="91440" tIns="45720" rIns="91440" bIns="45720" numCol="1" spcCol="0" rtlCol="0" fromWordArt="0" anchor="ctr" anchorCtr="0" forceAA="0" compatLnSpc="1">
-            <a:prstTxWarp prst="textNoShape">
+            <a:ln>
+              <a:solidFill>
+                <a:schemeClr val="accent2"/>
+              </a:solidFill>
+            </a:ln>
+          </p:spPr>
+          <p:style>
+            <a:lnRef idx="2">
+              <a:schemeClr val="accent1">
+                <a:shade val="50000"/>
+              </a:schemeClr>
+            </a:lnRef>
+            <a:fillRef idx="1">
+              <a:schemeClr val="accent1"/>
+            </a:fillRef>
+            <a:effectRef idx="0">
+              <a:schemeClr val="accent1"/>
+            </a:effectRef>
+            <a:fontRef idx="minor">
+              <a:schemeClr val="lt1"/>
+            </a:fontRef>
+          </p:style>
+          <p:txBody>
+            <a:bodyPr rot="0" spcFirstLastPara="0" vertOverflow="overflow" horzOverflow="overflow" vert="horz" wrap="square" lIns="91440" tIns="45720" rIns="91440" bIns="45720" numCol="1" spcCol="0" rtlCol="0" fromWordArt="0" anchor="ctr" anchorCtr="0" forceAA="0" compatLnSpc="1">
+              <a:prstTxWarp prst="textNoShape">
+                <a:avLst/>
+              </a:prstTxWarp>
+              <a:noAutofit/>
+            </a:bodyPr>
+            <a:lstStyle/>
+            <a:p>
+              <a:pPr algn="ctr"/>
+              <a:r>
+                <a:rPr lang="pt-BR" sz="2000" dirty="0"/>
+                <a:t>ReLU</a:t>
+              </a:r>
+            </a:p>
+          </p:txBody>
+        </p:sp>
+        <p:sp>
+          <p:nvSpPr>
+            <p:cNvPr id="23" name="Rectangle: Rounded Corners 22">
+              <a:extLst>
+                <a:ext uri="{FF2B5EF4-FFF2-40B4-BE49-F238E27FC236}">
+                  <a16:creationId xmlns:a16="http://schemas.microsoft.com/office/drawing/2014/main" id="{D6055FAE-5862-40AB-AE4F-05177330B7D0}"/>
+                </a:ext>
+              </a:extLst>
+            </p:cNvPr>
+            <p:cNvSpPr/>
+            <p:nvPr/>
+          </p:nvSpPr>
+          <p:spPr>
+            <a:xfrm rot="16200000">
+              <a:off x="8213849" y="2934565"/>
+              <a:ext cx="1111827" cy="550725"/>
+            </a:xfrm>
+            <a:prstGeom prst="roundRect">
               <a:avLst/>
-            </a:prstTxWarp>
-            <a:noAutofit/>
-          </a:bodyPr>
-          <a:lstStyle/>
-          <a:p>
-            <a:pPr algn="ctr"/>
-            <a:r>
-              <a:rPr lang="pt-BR" sz="2000" dirty="0"/>
-              <a:t>ReLU</a:t>
-            </a:r>
-          </a:p>
-        </p:txBody>
-      </p:sp>
-      <p:sp>
-        <p:nvSpPr>
-          <p:cNvPr id="23" name="Rectangle: Rounded Corners 22">
-            <a:extLst>
-              <a:ext uri="{FF2B5EF4-FFF2-40B4-BE49-F238E27FC236}">
-                <a16:creationId xmlns:a16="http://schemas.microsoft.com/office/drawing/2014/main" id="{D6055FAE-5862-40AB-AE4F-05177330B7D0}"/>
-              </a:ext>
-            </a:extLst>
-          </p:cNvPr>
-          <p:cNvSpPr/>
-          <p:nvPr/>
-        </p:nvSpPr>
-        <p:spPr>
-          <a:xfrm rot="16200000">
-            <a:off x="9280648" y="3153640"/>
-            <a:ext cx="1111827" cy="550725"/>
-          </a:xfrm>
-          <a:prstGeom prst="roundRect">
-            <a:avLst/>
-          </a:prstGeom>
-          <a:solidFill>
-            <a:srgbClr val="FF5050"/>
-          </a:solidFill>
-          <a:ln>
+            </a:prstGeom>
             <a:solidFill>
               <a:srgbClr val="FF5050"/>
             </a:solidFill>
-          </a:ln>
-        </p:spPr>
-        <p:style>
-          <a:lnRef idx="2">
-            <a:schemeClr val="accent1">
-              <a:shade val="50000"/>
-            </a:schemeClr>
-          </a:lnRef>
-          <a:fillRef idx="1">
-            <a:schemeClr val="accent1"/>
-          </a:fillRef>
-          <a:effectRef idx="0">
-            <a:schemeClr val="accent1"/>
-          </a:effectRef>
-          <a:fontRef idx="minor">
-            <a:schemeClr val="lt1"/>
-          </a:fontRef>
-        </p:style>
-        <p:txBody>
-          <a:bodyPr rot="0" spcFirstLastPara="0" vertOverflow="overflow" horzOverflow="overflow" vert="horz" wrap="square" lIns="91440" tIns="45720" rIns="91440" bIns="45720" numCol="1" spcCol="0" rtlCol="0" fromWordArt="0" anchor="ctr" anchorCtr="0" forceAA="0" compatLnSpc="1">
-            <a:prstTxWarp prst="textNoShape">
+            <a:ln>
+              <a:solidFill>
+                <a:srgbClr val="FF5050"/>
+              </a:solidFill>
+            </a:ln>
+          </p:spPr>
+          <p:style>
+            <a:lnRef idx="2">
+              <a:schemeClr val="accent1">
+                <a:shade val="50000"/>
+              </a:schemeClr>
+            </a:lnRef>
+            <a:fillRef idx="1">
+              <a:schemeClr val="accent1"/>
+            </a:fillRef>
+            <a:effectRef idx="0">
+              <a:schemeClr val="accent1"/>
+            </a:effectRef>
+            <a:fontRef idx="minor">
+              <a:schemeClr val="lt1"/>
+            </a:fontRef>
+          </p:style>
+          <p:txBody>
+            <a:bodyPr rot="0" spcFirstLastPara="0" vertOverflow="overflow" horzOverflow="overflow" vert="horz" wrap="square" lIns="91440" tIns="45720" rIns="91440" bIns="45720" numCol="1" spcCol="0" rtlCol="0" fromWordArt="0" anchor="ctr" anchorCtr="0" forceAA="0" compatLnSpc="1">
+              <a:prstTxWarp prst="textNoShape">
+                <a:avLst/>
+              </a:prstTxWarp>
+              <a:noAutofit/>
+            </a:bodyPr>
+            <a:lstStyle/>
+            <a:p>
+              <a:pPr algn="ctr"/>
+              <a:r>
+                <a:rPr lang="pt-BR" dirty="0"/>
+                <a:t>MaxPool</a:t>
+              </a:r>
+            </a:p>
+            <a:p>
+              <a:pPr algn="ctr"/>
+              <a:r>
+                <a:rPr lang="pt-BR" sz="1050" dirty="0"/>
+                <a:t>(2x2)</a:t>
+              </a:r>
+              <a:endParaRPr lang="pt-BR" dirty="0"/>
+            </a:p>
+          </p:txBody>
+        </p:sp>
+        <p:cxnSp>
+          <p:nvCxnSpPr>
+            <p:cNvPr id="26" name="Straight Arrow Connector 25">
+              <a:extLst>
+                <a:ext uri="{FF2B5EF4-FFF2-40B4-BE49-F238E27FC236}">
+                  <a16:creationId xmlns:a16="http://schemas.microsoft.com/office/drawing/2014/main" id="{877AA2D0-5536-4193-BECF-02A5EF12A8E2}"/>
+                </a:ext>
+              </a:extLst>
+            </p:cNvPr>
+            <p:cNvCxnSpPr>
+              <a:stCxn id="5" idx="2"/>
+              <a:endCxn id="13" idx="0"/>
+            </p:cNvCxnSpPr>
+            <p:nvPr/>
+          </p:nvCxnSpPr>
+          <p:spPr>
+            <a:xfrm flipV="1">
+              <a:off x="2483204" y="3209927"/>
+              <a:ext cx="178378" cy="1"/>
+            </a:xfrm>
+            <a:prstGeom prst="straightConnector1">
               <a:avLst/>
-            </a:prstTxWarp>
-            <a:noAutofit/>
-          </a:bodyPr>
-          <a:lstStyle/>
-          <a:p>
-            <a:pPr algn="ctr"/>
-            <a:r>
-              <a:rPr lang="pt-BR" dirty="0"/>
-              <a:t>MaxPool</a:t>
-            </a:r>
-          </a:p>
-          <a:p>
-            <a:pPr algn="ctr"/>
-            <a:r>
-              <a:rPr lang="pt-BR" sz="1050" dirty="0"/>
-              <a:t>(2x2)</a:t>
-            </a:r>
-            <a:endParaRPr lang="pt-BR" dirty="0"/>
-          </a:p>
-        </p:txBody>
-      </p:sp>
-      <p:cxnSp>
-        <p:nvCxnSpPr>
-          <p:cNvPr id="26" name="Straight Arrow Connector 25">
-            <a:extLst>
-              <a:ext uri="{FF2B5EF4-FFF2-40B4-BE49-F238E27FC236}">
-                <a16:creationId xmlns:a16="http://schemas.microsoft.com/office/drawing/2014/main" id="{877AA2D0-5536-4193-BECF-02A5EF12A8E2}"/>
-              </a:ext>
-            </a:extLst>
-          </p:cNvPr>
-          <p:cNvCxnSpPr>
-            <a:stCxn id="5" idx="2"/>
-            <a:endCxn id="13" idx="0"/>
-          </p:cNvCxnSpPr>
-          <p:nvPr/>
-        </p:nvCxnSpPr>
-        <p:spPr>
-          <a:xfrm flipV="1">
-            <a:off x="3550003" y="3429002"/>
-            <a:ext cx="178378" cy="1"/>
-          </a:xfrm>
-          <a:prstGeom prst="straightConnector1">
-            <a:avLst/>
-          </a:prstGeom>
-          <a:ln>
-            <a:tailEnd type="triangle"/>
-          </a:ln>
-        </p:spPr>
-        <p:style>
-          <a:lnRef idx="3">
-            <a:schemeClr val="accent1"/>
-          </a:lnRef>
-          <a:fillRef idx="0">
-            <a:schemeClr val="accent1"/>
-          </a:fillRef>
-          <a:effectRef idx="2">
-            <a:schemeClr val="accent1"/>
-          </a:effectRef>
-          <a:fontRef idx="minor">
-            <a:schemeClr val="tx1"/>
-          </a:fontRef>
-        </p:style>
-      </p:cxnSp>
-      <p:cxnSp>
-        <p:nvCxnSpPr>
-          <p:cNvPr id="28" name="Straight Arrow Connector 27">
-            <a:extLst>
-              <a:ext uri="{FF2B5EF4-FFF2-40B4-BE49-F238E27FC236}">
-                <a16:creationId xmlns:a16="http://schemas.microsoft.com/office/drawing/2014/main" id="{F84F3E17-1F46-4557-AB5D-959E15AF73FA}"/>
-              </a:ext>
-            </a:extLst>
-          </p:cNvPr>
-          <p:cNvCxnSpPr>
-            <a:stCxn id="13" idx="2"/>
-            <a:endCxn id="16" idx="0"/>
-          </p:cNvCxnSpPr>
-          <p:nvPr/>
-        </p:nvCxnSpPr>
-        <p:spPr>
-          <a:xfrm>
-            <a:off x="4279106" y="3428997"/>
-            <a:ext cx="178379" cy="2"/>
-          </a:xfrm>
-          <a:prstGeom prst="straightConnector1">
-            <a:avLst/>
-          </a:prstGeom>
-          <a:ln>
-            <a:tailEnd type="triangle"/>
-          </a:ln>
-        </p:spPr>
-        <p:style>
-          <a:lnRef idx="3">
-            <a:schemeClr val="accent1"/>
-          </a:lnRef>
-          <a:fillRef idx="0">
-            <a:schemeClr val="accent1"/>
-          </a:fillRef>
-          <a:effectRef idx="2">
-            <a:schemeClr val="accent1"/>
-          </a:effectRef>
-          <a:fontRef idx="minor">
-            <a:schemeClr val="tx1"/>
-          </a:fontRef>
-        </p:style>
-      </p:cxnSp>
-      <p:cxnSp>
-        <p:nvCxnSpPr>
-          <p:cNvPr id="30" name="Straight Arrow Connector 29">
-            <a:extLst>
-              <a:ext uri="{FF2B5EF4-FFF2-40B4-BE49-F238E27FC236}">
-                <a16:creationId xmlns:a16="http://schemas.microsoft.com/office/drawing/2014/main" id="{EFF4FA5F-EF5B-43C0-BCB8-3F9EC8BCCA73}"/>
-              </a:ext>
-            </a:extLst>
-          </p:cNvPr>
-          <p:cNvCxnSpPr>
-            <a:stCxn id="16" idx="2"/>
-            <a:endCxn id="17" idx="0"/>
-          </p:cNvCxnSpPr>
-          <p:nvPr/>
-        </p:nvCxnSpPr>
-        <p:spPr>
-          <a:xfrm flipV="1">
-            <a:off x="5008208" y="3429003"/>
-            <a:ext cx="178378" cy="1"/>
-          </a:xfrm>
-          <a:prstGeom prst="straightConnector1">
-            <a:avLst/>
-          </a:prstGeom>
-          <a:ln>
-            <a:tailEnd type="triangle"/>
-          </a:ln>
-        </p:spPr>
-        <p:style>
-          <a:lnRef idx="3">
-            <a:schemeClr val="accent1"/>
-          </a:lnRef>
-          <a:fillRef idx="0">
-            <a:schemeClr val="accent1"/>
-          </a:fillRef>
-          <a:effectRef idx="2">
-            <a:schemeClr val="accent1"/>
-          </a:effectRef>
-          <a:fontRef idx="minor">
-            <a:schemeClr val="tx1"/>
-          </a:fontRef>
-        </p:style>
-      </p:cxnSp>
-      <p:cxnSp>
-        <p:nvCxnSpPr>
-          <p:cNvPr id="34" name="Straight Arrow Connector 33">
-            <a:extLst>
-              <a:ext uri="{FF2B5EF4-FFF2-40B4-BE49-F238E27FC236}">
-                <a16:creationId xmlns:a16="http://schemas.microsoft.com/office/drawing/2014/main" id="{37DE19DF-D43D-4104-BEC0-1CB8D832FB65}"/>
-              </a:ext>
-            </a:extLst>
-          </p:cNvPr>
-          <p:cNvCxnSpPr>
-            <a:stCxn id="17" idx="2"/>
-            <a:endCxn id="18" idx="0"/>
-          </p:cNvCxnSpPr>
-          <p:nvPr/>
-        </p:nvCxnSpPr>
-        <p:spPr>
-          <a:xfrm flipV="1">
-            <a:off x="5737311" y="3428996"/>
-            <a:ext cx="178377" cy="2"/>
-          </a:xfrm>
-          <a:prstGeom prst="straightConnector1">
-            <a:avLst/>
-          </a:prstGeom>
-          <a:ln>
-            <a:tailEnd type="triangle"/>
-          </a:ln>
-        </p:spPr>
-        <p:style>
-          <a:lnRef idx="3">
-            <a:schemeClr val="accent1"/>
-          </a:lnRef>
-          <a:fillRef idx="0">
-            <a:schemeClr val="accent1"/>
-          </a:fillRef>
-          <a:effectRef idx="2">
-            <a:schemeClr val="accent1"/>
-          </a:effectRef>
-          <a:fontRef idx="minor">
-            <a:schemeClr val="tx1"/>
-          </a:fontRef>
-        </p:style>
-      </p:cxnSp>
-      <p:cxnSp>
-        <p:nvCxnSpPr>
-          <p:cNvPr id="36" name="Straight Arrow Connector 35">
-            <a:extLst>
-              <a:ext uri="{FF2B5EF4-FFF2-40B4-BE49-F238E27FC236}">
-                <a16:creationId xmlns:a16="http://schemas.microsoft.com/office/drawing/2014/main" id="{FF36B524-F4B1-4248-AC31-A00F2E7D791B}"/>
-              </a:ext>
-            </a:extLst>
-          </p:cNvPr>
-          <p:cNvCxnSpPr>
-            <a:stCxn id="18" idx="2"/>
-            <a:endCxn id="19" idx="0"/>
-          </p:cNvCxnSpPr>
-          <p:nvPr/>
-        </p:nvCxnSpPr>
-        <p:spPr>
-          <a:xfrm>
-            <a:off x="6466412" y="3429001"/>
-            <a:ext cx="178378" cy="3"/>
-          </a:xfrm>
-          <a:prstGeom prst="straightConnector1">
-            <a:avLst/>
-          </a:prstGeom>
-          <a:ln>
-            <a:tailEnd type="triangle"/>
-          </a:ln>
-        </p:spPr>
-        <p:style>
-          <a:lnRef idx="3">
-            <a:schemeClr val="accent1"/>
-          </a:lnRef>
-          <a:fillRef idx="0">
-            <a:schemeClr val="accent1"/>
-          </a:fillRef>
-          <a:effectRef idx="2">
-            <a:schemeClr val="accent1"/>
-          </a:effectRef>
-          <a:fontRef idx="minor">
-            <a:schemeClr val="tx1"/>
-          </a:fontRef>
-        </p:style>
-      </p:cxnSp>
-      <p:cxnSp>
-        <p:nvCxnSpPr>
-          <p:cNvPr id="38" name="Straight Arrow Connector 37">
-            <a:extLst>
-              <a:ext uri="{FF2B5EF4-FFF2-40B4-BE49-F238E27FC236}">
-                <a16:creationId xmlns:a16="http://schemas.microsoft.com/office/drawing/2014/main" id="{64C7BC8C-DB4D-40FE-9CEA-94C4F79D7BA7}"/>
-              </a:ext>
-            </a:extLst>
-          </p:cNvPr>
-          <p:cNvCxnSpPr>
-            <a:stCxn id="19" idx="2"/>
-            <a:endCxn id="20" idx="0"/>
-          </p:cNvCxnSpPr>
-          <p:nvPr/>
-        </p:nvCxnSpPr>
-        <p:spPr>
-          <a:xfrm flipV="1">
-            <a:off x="7195514" y="3429003"/>
-            <a:ext cx="178378" cy="1"/>
-          </a:xfrm>
-          <a:prstGeom prst="straightConnector1">
-            <a:avLst/>
-          </a:prstGeom>
-          <a:ln>
-            <a:tailEnd type="triangle"/>
-          </a:ln>
-        </p:spPr>
-        <p:style>
-          <a:lnRef idx="3">
-            <a:schemeClr val="accent1"/>
-          </a:lnRef>
-          <a:fillRef idx="0">
-            <a:schemeClr val="accent1"/>
-          </a:fillRef>
-          <a:effectRef idx="2">
-            <a:schemeClr val="accent1"/>
-          </a:effectRef>
-          <a:fontRef idx="minor">
-            <a:schemeClr val="tx1"/>
-          </a:fontRef>
-        </p:style>
-      </p:cxnSp>
-      <p:cxnSp>
-        <p:nvCxnSpPr>
-          <p:cNvPr id="40" name="Straight Arrow Connector 39">
-            <a:extLst>
-              <a:ext uri="{FF2B5EF4-FFF2-40B4-BE49-F238E27FC236}">
-                <a16:creationId xmlns:a16="http://schemas.microsoft.com/office/drawing/2014/main" id="{678EF681-20E0-42CF-A954-061CABB741A6}"/>
-              </a:ext>
-            </a:extLst>
-          </p:cNvPr>
-          <p:cNvCxnSpPr>
-            <a:stCxn id="20" idx="2"/>
-            <a:endCxn id="21" idx="0"/>
-          </p:cNvCxnSpPr>
-          <p:nvPr/>
-        </p:nvCxnSpPr>
-        <p:spPr>
-          <a:xfrm>
-            <a:off x="7924617" y="3428998"/>
-            <a:ext cx="178379" cy="2"/>
-          </a:xfrm>
-          <a:prstGeom prst="straightConnector1">
-            <a:avLst/>
-          </a:prstGeom>
-          <a:ln>
-            <a:tailEnd type="triangle"/>
-          </a:ln>
-        </p:spPr>
-        <p:style>
-          <a:lnRef idx="3">
-            <a:schemeClr val="accent1"/>
-          </a:lnRef>
-          <a:fillRef idx="0">
-            <a:schemeClr val="accent1"/>
-          </a:fillRef>
-          <a:effectRef idx="2">
-            <a:schemeClr val="accent1"/>
-          </a:effectRef>
-          <a:fontRef idx="minor">
-            <a:schemeClr val="tx1"/>
-          </a:fontRef>
-        </p:style>
-      </p:cxnSp>
-      <p:cxnSp>
-        <p:nvCxnSpPr>
-          <p:cNvPr id="42" name="Straight Arrow Connector 41">
-            <a:extLst>
-              <a:ext uri="{FF2B5EF4-FFF2-40B4-BE49-F238E27FC236}">
-                <a16:creationId xmlns:a16="http://schemas.microsoft.com/office/drawing/2014/main" id="{EF7329C0-815E-4C81-B7EF-438F40772D6E}"/>
-              </a:ext>
-            </a:extLst>
-          </p:cNvPr>
-          <p:cNvCxnSpPr>
-            <a:stCxn id="21" idx="2"/>
-            <a:endCxn id="22" idx="0"/>
-          </p:cNvCxnSpPr>
-          <p:nvPr/>
-        </p:nvCxnSpPr>
-        <p:spPr>
-          <a:xfrm flipV="1">
-            <a:off x="8653719" y="3429004"/>
-            <a:ext cx="178378" cy="1"/>
-          </a:xfrm>
-          <a:prstGeom prst="straightConnector1">
-            <a:avLst/>
-          </a:prstGeom>
-          <a:ln>
-            <a:tailEnd type="triangle"/>
-          </a:ln>
-        </p:spPr>
-        <p:style>
-          <a:lnRef idx="3">
-            <a:schemeClr val="accent1"/>
-          </a:lnRef>
-          <a:fillRef idx="0">
-            <a:schemeClr val="accent1"/>
-          </a:fillRef>
-          <a:effectRef idx="2">
-            <a:schemeClr val="accent1"/>
-          </a:effectRef>
-          <a:fontRef idx="minor">
-            <a:schemeClr val="tx1"/>
-          </a:fontRef>
-        </p:style>
-      </p:cxnSp>
-      <p:cxnSp>
-        <p:nvCxnSpPr>
-          <p:cNvPr id="44" name="Straight Arrow Connector 43">
-            <a:extLst>
-              <a:ext uri="{FF2B5EF4-FFF2-40B4-BE49-F238E27FC236}">
-                <a16:creationId xmlns:a16="http://schemas.microsoft.com/office/drawing/2014/main" id="{2E311DB0-F838-46B9-BC2C-5DF1F1F7E69F}"/>
-              </a:ext>
-            </a:extLst>
-          </p:cNvPr>
-          <p:cNvCxnSpPr>
-            <a:stCxn id="22" idx="2"/>
-            <a:endCxn id="23" idx="0"/>
-          </p:cNvCxnSpPr>
-          <p:nvPr/>
-        </p:nvCxnSpPr>
-        <p:spPr>
-          <a:xfrm flipV="1">
-            <a:off x="9382822" y="3428997"/>
-            <a:ext cx="178377" cy="2"/>
-          </a:xfrm>
-          <a:prstGeom prst="straightConnector1">
-            <a:avLst/>
-          </a:prstGeom>
-          <a:ln>
-            <a:tailEnd type="triangle"/>
-          </a:ln>
-        </p:spPr>
-        <p:style>
-          <a:lnRef idx="3">
-            <a:schemeClr val="accent1"/>
-          </a:lnRef>
-          <a:fillRef idx="0">
-            <a:schemeClr val="accent1"/>
-          </a:fillRef>
-          <a:effectRef idx="2">
-            <a:schemeClr val="accent1"/>
-          </a:effectRef>
-          <a:fontRef idx="minor">
-            <a:schemeClr val="tx1"/>
-          </a:fontRef>
-        </p:style>
-      </p:cxnSp>
-      <p:pic>
-        <p:nvPicPr>
-          <p:cNvPr id="1026" name="Picture 2" descr="Resultado de imagem para fashion mnist images">
-            <a:extLst>
-              <a:ext uri="{FF2B5EF4-FFF2-40B4-BE49-F238E27FC236}">
-                <a16:creationId xmlns:a16="http://schemas.microsoft.com/office/drawing/2014/main" id="{D6BDDC01-AC27-4156-A20E-945876AB0329}"/>
-              </a:ext>
-            </a:extLst>
-          </p:cNvPr>
-          <p:cNvPicPr>
-            <a:picLocks noChangeAspect="1" noChangeArrowheads="1"/>
-          </p:cNvPicPr>
-          <p:nvPr/>
-        </p:nvPicPr>
-        <p:blipFill>
-          <a:blip r:embed="rId2">
-            <a:extLst>
-              <a:ext uri="{28A0092B-C50C-407E-A947-70E740481C1C}">
-                <a14:useLocalDpi xmlns:a14="http://schemas.microsoft.com/office/drawing/2010/main" val="0"/>
-              </a:ext>
-            </a:extLst>
-          </a:blip>
-          <a:srcRect/>
-          <a:stretch>
-            <a:fillRect/>
-          </a:stretch>
-        </p:blipFill>
-        <p:spPr bwMode="auto">
-          <a:xfrm flipV="1">
-            <a:off x="1431114" y="2857502"/>
-            <a:ext cx="1142992" cy="1142992"/>
-          </a:xfrm>
-          <a:prstGeom prst="rect">
-            <a:avLst/>
-          </a:prstGeom>
-          <a:ln>
-            <a:noFill/>
-          </a:ln>
-          <a:effectLst>
-            <a:outerShdw blurRad="292100" dist="139700" dir="2700000" algn="tl" rotWithShape="0">
-              <a:srgbClr val="333333">
-                <a:alpha val="65000"/>
-              </a:srgbClr>
-            </a:outerShdw>
-          </a:effectLst>
-        </p:spPr>
-        <p:style>
-          <a:lnRef idx="2">
-            <a:schemeClr val="dk1"/>
-          </a:lnRef>
-          <a:fillRef idx="1">
-            <a:schemeClr val="lt1"/>
-          </a:fillRef>
-          <a:effectRef idx="0">
-            <a:schemeClr val="dk1"/>
-          </a:effectRef>
-          <a:fontRef idx="minor">
-            <a:schemeClr val="dk1"/>
-          </a:fontRef>
-        </p:style>
-      </p:pic>
-      <p:cxnSp>
-        <p:nvCxnSpPr>
-          <p:cNvPr id="46" name="Straight Arrow Connector 45">
-            <a:extLst>
-              <a:ext uri="{FF2B5EF4-FFF2-40B4-BE49-F238E27FC236}">
-                <a16:creationId xmlns:a16="http://schemas.microsoft.com/office/drawing/2014/main" id="{CB09F8FF-90C8-4194-A2E3-B0A25789007A}"/>
-              </a:ext>
-            </a:extLst>
-          </p:cNvPr>
-          <p:cNvCxnSpPr>
-            <a:stCxn id="1026" idx="3"/>
-            <a:endCxn id="5" idx="0"/>
-          </p:cNvCxnSpPr>
-          <p:nvPr/>
-        </p:nvCxnSpPr>
-        <p:spPr>
-          <a:xfrm>
-            <a:off x="2574107" y="3428998"/>
-            <a:ext cx="425173" cy="0"/>
-          </a:xfrm>
-          <a:prstGeom prst="straightConnector1">
-            <a:avLst/>
-          </a:prstGeom>
-          <a:ln>
-            <a:tailEnd type="triangle"/>
-          </a:ln>
-        </p:spPr>
-        <p:style>
-          <a:lnRef idx="3">
-            <a:schemeClr val="accent1"/>
-          </a:lnRef>
-          <a:fillRef idx="0">
-            <a:schemeClr val="accent1"/>
-          </a:fillRef>
-          <a:effectRef idx="2">
-            <a:schemeClr val="accent1"/>
-          </a:effectRef>
-          <a:fontRef idx="minor">
-            <a:schemeClr val="tx1"/>
-          </a:fontRef>
-        </p:style>
-      </p:cxnSp>
-      <p:sp>
-        <p:nvSpPr>
-          <p:cNvPr id="49" name="Rectangle: Rounded Corners 48">
-            <a:extLst>
-              <a:ext uri="{FF2B5EF4-FFF2-40B4-BE49-F238E27FC236}">
-                <a16:creationId xmlns:a16="http://schemas.microsoft.com/office/drawing/2014/main" id="{520CCD2C-1557-4191-B36F-D1A7DC74B958}"/>
-              </a:ext>
-            </a:extLst>
-          </p:cNvPr>
-          <p:cNvSpPr/>
-          <p:nvPr/>
-        </p:nvSpPr>
-        <p:spPr>
-          <a:xfrm rot="16200000">
-            <a:off x="10010520" y="3132848"/>
-            <a:ext cx="1111827" cy="550725"/>
-          </a:xfrm>
-          <a:prstGeom prst="roundRect">
-            <a:avLst/>
-          </a:prstGeom>
-          <a:solidFill>
-            <a:schemeClr val="accent6"/>
-          </a:solidFill>
-          <a:ln>
+            </a:prstGeom>
+            <a:ln>
+              <a:tailEnd type="triangle"/>
+            </a:ln>
+          </p:spPr>
+          <p:style>
+            <a:lnRef idx="3">
+              <a:schemeClr val="accent1"/>
+            </a:lnRef>
+            <a:fillRef idx="0">
+              <a:schemeClr val="accent1"/>
+            </a:fillRef>
+            <a:effectRef idx="2">
+              <a:schemeClr val="accent1"/>
+            </a:effectRef>
+            <a:fontRef idx="minor">
+              <a:schemeClr val="tx1"/>
+            </a:fontRef>
+          </p:style>
+        </p:cxnSp>
+        <p:cxnSp>
+          <p:nvCxnSpPr>
+            <p:cNvPr id="28" name="Straight Arrow Connector 27">
+              <a:extLst>
+                <a:ext uri="{FF2B5EF4-FFF2-40B4-BE49-F238E27FC236}">
+                  <a16:creationId xmlns:a16="http://schemas.microsoft.com/office/drawing/2014/main" id="{F84F3E17-1F46-4557-AB5D-959E15AF73FA}"/>
+                </a:ext>
+              </a:extLst>
+            </p:cNvPr>
+            <p:cNvCxnSpPr>
+              <a:stCxn id="13" idx="2"/>
+              <a:endCxn id="16" idx="0"/>
+            </p:cNvCxnSpPr>
+            <p:nvPr/>
+          </p:nvCxnSpPr>
+          <p:spPr>
+            <a:xfrm>
+              <a:off x="3212307" y="3209922"/>
+              <a:ext cx="178379" cy="2"/>
+            </a:xfrm>
+            <a:prstGeom prst="straightConnector1">
+              <a:avLst/>
+            </a:prstGeom>
+            <a:ln>
+              <a:tailEnd type="triangle"/>
+            </a:ln>
+          </p:spPr>
+          <p:style>
+            <a:lnRef idx="3">
+              <a:schemeClr val="accent1"/>
+            </a:lnRef>
+            <a:fillRef idx="0">
+              <a:schemeClr val="accent1"/>
+            </a:fillRef>
+            <a:effectRef idx="2">
+              <a:schemeClr val="accent1"/>
+            </a:effectRef>
+            <a:fontRef idx="minor">
+              <a:schemeClr val="tx1"/>
+            </a:fontRef>
+          </p:style>
+        </p:cxnSp>
+        <p:cxnSp>
+          <p:nvCxnSpPr>
+            <p:cNvPr id="30" name="Straight Arrow Connector 29">
+              <a:extLst>
+                <a:ext uri="{FF2B5EF4-FFF2-40B4-BE49-F238E27FC236}">
+                  <a16:creationId xmlns:a16="http://schemas.microsoft.com/office/drawing/2014/main" id="{EFF4FA5F-EF5B-43C0-BCB8-3F9EC8BCCA73}"/>
+                </a:ext>
+              </a:extLst>
+            </p:cNvPr>
+            <p:cNvCxnSpPr>
+              <a:stCxn id="16" idx="2"/>
+              <a:endCxn id="17" idx="0"/>
+            </p:cNvCxnSpPr>
+            <p:nvPr/>
+          </p:nvCxnSpPr>
+          <p:spPr>
+            <a:xfrm flipV="1">
+              <a:off x="3941409" y="3209928"/>
+              <a:ext cx="178378" cy="1"/>
+            </a:xfrm>
+            <a:prstGeom prst="straightConnector1">
+              <a:avLst/>
+            </a:prstGeom>
+            <a:ln>
+              <a:tailEnd type="triangle"/>
+            </a:ln>
+          </p:spPr>
+          <p:style>
+            <a:lnRef idx="3">
+              <a:schemeClr val="accent1"/>
+            </a:lnRef>
+            <a:fillRef idx="0">
+              <a:schemeClr val="accent1"/>
+            </a:fillRef>
+            <a:effectRef idx="2">
+              <a:schemeClr val="accent1"/>
+            </a:effectRef>
+            <a:fontRef idx="minor">
+              <a:schemeClr val="tx1"/>
+            </a:fontRef>
+          </p:style>
+        </p:cxnSp>
+        <p:cxnSp>
+          <p:nvCxnSpPr>
+            <p:cNvPr id="34" name="Straight Arrow Connector 33">
+              <a:extLst>
+                <a:ext uri="{FF2B5EF4-FFF2-40B4-BE49-F238E27FC236}">
+                  <a16:creationId xmlns:a16="http://schemas.microsoft.com/office/drawing/2014/main" id="{37DE19DF-D43D-4104-BEC0-1CB8D832FB65}"/>
+                </a:ext>
+              </a:extLst>
+            </p:cNvPr>
+            <p:cNvCxnSpPr>
+              <a:stCxn id="17" idx="2"/>
+              <a:endCxn id="18" idx="0"/>
+            </p:cNvCxnSpPr>
+            <p:nvPr/>
+          </p:nvCxnSpPr>
+          <p:spPr>
+            <a:xfrm flipV="1">
+              <a:off x="4670512" y="3209921"/>
+              <a:ext cx="178377" cy="2"/>
+            </a:xfrm>
+            <a:prstGeom prst="straightConnector1">
+              <a:avLst/>
+            </a:prstGeom>
+            <a:ln>
+              <a:tailEnd type="triangle"/>
+            </a:ln>
+          </p:spPr>
+          <p:style>
+            <a:lnRef idx="3">
+              <a:schemeClr val="accent1"/>
+            </a:lnRef>
+            <a:fillRef idx="0">
+              <a:schemeClr val="accent1"/>
+            </a:fillRef>
+            <a:effectRef idx="2">
+              <a:schemeClr val="accent1"/>
+            </a:effectRef>
+            <a:fontRef idx="minor">
+              <a:schemeClr val="tx1"/>
+            </a:fontRef>
+          </p:style>
+        </p:cxnSp>
+        <p:cxnSp>
+          <p:nvCxnSpPr>
+            <p:cNvPr id="36" name="Straight Arrow Connector 35">
+              <a:extLst>
+                <a:ext uri="{FF2B5EF4-FFF2-40B4-BE49-F238E27FC236}">
+                  <a16:creationId xmlns:a16="http://schemas.microsoft.com/office/drawing/2014/main" id="{FF36B524-F4B1-4248-AC31-A00F2E7D791B}"/>
+                </a:ext>
+              </a:extLst>
+            </p:cNvPr>
+            <p:cNvCxnSpPr>
+              <a:stCxn id="18" idx="2"/>
+              <a:endCxn id="19" idx="0"/>
+            </p:cNvCxnSpPr>
+            <p:nvPr/>
+          </p:nvCxnSpPr>
+          <p:spPr>
+            <a:xfrm>
+              <a:off x="5399613" y="3209926"/>
+              <a:ext cx="178378" cy="3"/>
+            </a:xfrm>
+            <a:prstGeom prst="straightConnector1">
+              <a:avLst/>
+            </a:prstGeom>
+            <a:ln>
+              <a:tailEnd type="triangle"/>
+            </a:ln>
+          </p:spPr>
+          <p:style>
+            <a:lnRef idx="3">
+              <a:schemeClr val="accent1"/>
+            </a:lnRef>
+            <a:fillRef idx="0">
+              <a:schemeClr val="accent1"/>
+            </a:fillRef>
+            <a:effectRef idx="2">
+              <a:schemeClr val="accent1"/>
+            </a:effectRef>
+            <a:fontRef idx="minor">
+              <a:schemeClr val="tx1"/>
+            </a:fontRef>
+          </p:style>
+        </p:cxnSp>
+        <p:cxnSp>
+          <p:nvCxnSpPr>
+            <p:cNvPr id="38" name="Straight Arrow Connector 37">
+              <a:extLst>
+                <a:ext uri="{FF2B5EF4-FFF2-40B4-BE49-F238E27FC236}">
+                  <a16:creationId xmlns:a16="http://schemas.microsoft.com/office/drawing/2014/main" id="{64C7BC8C-DB4D-40FE-9CEA-94C4F79D7BA7}"/>
+                </a:ext>
+              </a:extLst>
+            </p:cNvPr>
+            <p:cNvCxnSpPr>
+              <a:stCxn id="19" idx="2"/>
+              <a:endCxn id="20" idx="0"/>
+            </p:cNvCxnSpPr>
+            <p:nvPr/>
+          </p:nvCxnSpPr>
+          <p:spPr>
+            <a:xfrm flipV="1">
+              <a:off x="6128715" y="3209928"/>
+              <a:ext cx="178378" cy="1"/>
+            </a:xfrm>
+            <a:prstGeom prst="straightConnector1">
+              <a:avLst/>
+            </a:prstGeom>
+            <a:ln>
+              <a:tailEnd type="triangle"/>
+            </a:ln>
+          </p:spPr>
+          <p:style>
+            <a:lnRef idx="3">
+              <a:schemeClr val="accent1"/>
+            </a:lnRef>
+            <a:fillRef idx="0">
+              <a:schemeClr val="accent1"/>
+            </a:fillRef>
+            <a:effectRef idx="2">
+              <a:schemeClr val="accent1"/>
+            </a:effectRef>
+            <a:fontRef idx="minor">
+              <a:schemeClr val="tx1"/>
+            </a:fontRef>
+          </p:style>
+        </p:cxnSp>
+        <p:cxnSp>
+          <p:nvCxnSpPr>
+            <p:cNvPr id="40" name="Straight Arrow Connector 39">
+              <a:extLst>
+                <a:ext uri="{FF2B5EF4-FFF2-40B4-BE49-F238E27FC236}">
+                  <a16:creationId xmlns:a16="http://schemas.microsoft.com/office/drawing/2014/main" id="{678EF681-20E0-42CF-A954-061CABB741A6}"/>
+                </a:ext>
+              </a:extLst>
+            </p:cNvPr>
+            <p:cNvCxnSpPr>
+              <a:stCxn id="20" idx="2"/>
+              <a:endCxn id="21" idx="0"/>
+            </p:cNvCxnSpPr>
+            <p:nvPr/>
+          </p:nvCxnSpPr>
+          <p:spPr>
+            <a:xfrm>
+              <a:off x="6857818" y="3209923"/>
+              <a:ext cx="178379" cy="2"/>
+            </a:xfrm>
+            <a:prstGeom prst="straightConnector1">
+              <a:avLst/>
+            </a:prstGeom>
+            <a:ln>
+              <a:tailEnd type="triangle"/>
+            </a:ln>
+          </p:spPr>
+          <p:style>
+            <a:lnRef idx="3">
+              <a:schemeClr val="accent1"/>
+            </a:lnRef>
+            <a:fillRef idx="0">
+              <a:schemeClr val="accent1"/>
+            </a:fillRef>
+            <a:effectRef idx="2">
+              <a:schemeClr val="accent1"/>
+            </a:effectRef>
+            <a:fontRef idx="minor">
+              <a:schemeClr val="tx1"/>
+            </a:fontRef>
+          </p:style>
+        </p:cxnSp>
+        <p:cxnSp>
+          <p:nvCxnSpPr>
+            <p:cNvPr id="42" name="Straight Arrow Connector 41">
+              <a:extLst>
+                <a:ext uri="{FF2B5EF4-FFF2-40B4-BE49-F238E27FC236}">
+                  <a16:creationId xmlns:a16="http://schemas.microsoft.com/office/drawing/2014/main" id="{EF7329C0-815E-4C81-B7EF-438F40772D6E}"/>
+                </a:ext>
+              </a:extLst>
+            </p:cNvPr>
+            <p:cNvCxnSpPr>
+              <a:stCxn id="21" idx="2"/>
+              <a:endCxn id="22" idx="0"/>
+            </p:cNvCxnSpPr>
+            <p:nvPr/>
+          </p:nvCxnSpPr>
+          <p:spPr>
+            <a:xfrm flipV="1">
+              <a:off x="7586920" y="3209929"/>
+              <a:ext cx="178378" cy="1"/>
+            </a:xfrm>
+            <a:prstGeom prst="straightConnector1">
+              <a:avLst/>
+            </a:prstGeom>
+            <a:ln>
+              <a:tailEnd type="triangle"/>
+            </a:ln>
+          </p:spPr>
+          <p:style>
+            <a:lnRef idx="3">
+              <a:schemeClr val="accent1"/>
+            </a:lnRef>
+            <a:fillRef idx="0">
+              <a:schemeClr val="accent1"/>
+            </a:fillRef>
+            <a:effectRef idx="2">
+              <a:schemeClr val="accent1"/>
+            </a:effectRef>
+            <a:fontRef idx="minor">
+              <a:schemeClr val="tx1"/>
+            </a:fontRef>
+          </p:style>
+        </p:cxnSp>
+        <p:cxnSp>
+          <p:nvCxnSpPr>
+            <p:cNvPr id="44" name="Straight Arrow Connector 43">
+              <a:extLst>
+                <a:ext uri="{FF2B5EF4-FFF2-40B4-BE49-F238E27FC236}">
+                  <a16:creationId xmlns:a16="http://schemas.microsoft.com/office/drawing/2014/main" id="{2E311DB0-F838-46B9-BC2C-5DF1F1F7E69F}"/>
+                </a:ext>
+              </a:extLst>
+            </p:cNvPr>
+            <p:cNvCxnSpPr>
+              <a:stCxn id="22" idx="2"/>
+              <a:endCxn id="23" idx="0"/>
+            </p:cNvCxnSpPr>
+            <p:nvPr/>
+          </p:nvCxnSpPr>
+          <p:spPr>
+            <a:xfrm flipV="1">
+              <a:off x="8316023" y="3209922"/>
+              <a:ext cx="178377" cy="2"/>
+            </a:xfrm>
+            <a:prstGeom prst="straightConnector1">
+              <a:avLst/>
+            </a:prstGeom>
+            <a:ln>
+              <a:tailEnd type="triangle"/>
+            </a:ln>
+          </p:spPr>
+          <p:style>
+            <a:lnRef idx="3">
+              <a:schemeClr val="accent1"/>
+            </a:lnRef>
+            <a:fillRef idx="0">
+              <a:schemeClr val="accent1"/>
+            </a:fillRef>
+            <a:effectRef idx="2">
+              <a:schemeClr val="accent1"/>
+            </a:effectRef>
+            <a:fontRef idx="minor">
+              <a:schemeClr val="tx1"/>
+            </a:fontRef>
+          </p:style>
+        </p:cxnSp>
+        <p:pic>
+          <p:nvPicPr>
+            <p:cNvPr id="1026" name="Picture 2" descr="Resultado de imagem para fashion mnist images">
+              <a:extLst>
+                <a:ext uri="{FF2B5EF4-FFF2-40B4-BE49-F238E27FC236}">
+                  <a16:creationId xmlns:a16="http://schemas.microsoft.com/office/drawing/2014/main" id="{D6BDDC01-AC27-4156-A20E-945876AB0329}"/>
+                </a:ext>
+              </a:extLst>
+            </p:cNvPr>
+            <p:cNvPicPr>
+              <a:picLocks noChangeAspect="1" noChangeArrowheads="1"/>
+            </p:cNvPicPr>
+            <p:nvPr/>
+          </p:nvPicPr>
+          <p:blipFill>
+            <a:blip r:embed="rId2">
+              <a:extLst>
+                <a:ext uri="{28A0092B-C50C-407E-A947-70E740481C1C}">
+                  <a14:useLocalDpi xmlns:a14="http://schemas.microsoft.com/office/drawing/2010/main" val="0"/>
+                </a:ext>
+              </a:extLst>
+            </a:blip>
+            <a:srcRect/>
+            <a:stretch>
+              <a:fillRect/>
+            </a:stretch>
+          </p:blipFill>
+          <p:spPr bwMode="auto">
+            <a:xfrm flipV="1">
+              <a:off x="364315" y="2638427"/>
+              <a:ext cx="1142992" cy="1142992"/>
+            </a:xfrm>
+            <a:prstGeom prst="rect">
+              <a:avLst/>
+            </a:prstGeom>
+            <a:ln>
+              <a:noFill/>
+            </a:ln>
+            <a:effectLst>
+              <a:outerShdw blurRad="292100" dist="139700" dir="2700000" algn="tl" rotWithShape="0">
+                <a:srgbClr val="333333">
+                  <a:alpha val="65000"/>
+                </a:srgbClr>
+              </a:outerShdw>
+            </a:effectLst>
+          </p:spPr>
+          <p:style>
+            <a:lnRef idx="2">
+              <a:schemeClr val="dk1"/>
+            </a:lnRef>
+            <a:fillRef idx="1">
+              <a:schemeClr val="lt1"/>
+            </a:fillRef>
+            <a:effectRef idx="0">
+              <a:schemeClr val="dk1"/>
+            </a:effectRef>
+            <a:fontRef idx="minor">
+              <a:schemeClr val="dk1"/>
+            </a:fontRef>
+          </p:style>
+        </p:pic>
+        <p:cxnSp>
+          <p:nvCxnSpPr>
+            <p:cNvPr id="46" name="Straight Arrow Connector 45">
+              <a:extLst>
+                <a:ext uri="{FF2B5EF4-FFF2-40B4-BE49-F238E27FC236}">
+                  <a16:creationId xmlns:a16="http://schemas.microsoft.com/office/drawing/2014/main" id="{CB09F8FF-90C8-4194-A2E3-B0A25789007A}"/>
+                </a:ext>
+              </a:extLst>
+            </p:cNvPr>
+            <p:cNvCxnSpPr>
+              <a:stCxn id="1026" idx="3"/>
+              <a:endCxn id="5" idx="0"/>
+            </p:cNvCxnSpPr>
+            <p:nvPr/>
+          </p:nvCxnSpPr>
+          <p:spPr>
+            <a:xfrm>
+              <a:off x="1507308" y="3209923"/>
+              <a:ext cx="425173" cy="0"/>
+            </a:xfrm>
+            <a:prstGeom prst="straightConnector1">
+              <a:avLst/>
+            </a:prstGeom>
+            <a:ln>
+              <a:tailEnd type="triangle"/>
+            </a:ln>
+          </p:spPr>
+          <p:style>
+            <a:lnRef idx="3">
+              <a:schemeClr val="accent1"/>
+            </a:lnRef>
+            <a:fillRef idx="0">
+              <a:schemeClr val="accent1"/>
+            </a:fillRef>
+            <a:effectRef idx="2">
+              <a:schemeClr val="accent1"/>
+            </a:effectRef>
+            <a:fontRef idx="minor">
+              <a:schemeClr val="tx1"/>
+            </a:fontRef>
+          </p:style>
+        </p:cxnSp>
+        <p:sp>
+          <p:nvSpPr>
+            <p:cNvPr id="49" name="Rectangle: Rounded Corners 48">
+              <a:extLst>
+                <a:ext uri="{FF2B5EF4-FFF2-40B4-BE49-F238E27FC236}">
+                  <a16:creationId xmlns:a16="http://schemas.microsoft.com/office/drawing/2014/main" id="{520CCD2C-1557-4191-B36F-D1A7DC74B958}"/>
+                </a:ext>
+              </a:extLst>
+            </p:cNvPr>
+            <p:cNvSpPr/>
+            <p:nvPr/>
+          </p:nvSpPr>
+          <p:spPr>
+            <a:xfrm rot="16200000">
+              <a:off x="8943721" y="2938712"/>
+              <a:ext cx="1111827" cy="550725"/>
+            </a:xfrm>
+            <a:prstGeom prst="roundRect">
+              <a:avLst/>
+            </a:prstGeom>
             <a:solidFill>
               <a:schemeClr val="accent6"/>
             </a:solidFill>
-          </a:ln>
-        </p:spPr>
-        <p:style>
-          <a:lnRef idx="2">
-            <a:schemeClr val="accent1">
-              <a:shade val="50000"/>
-            </a:schemeClr>
-          </a:lnRef>
-          <a:fillRef idx="1">
-            <a:schemeClr val="accent1"/>
-          </a:fillRef>
-          <a:effectRef idx="0">
-            <a:schemeClr val="accent1"/>
-          </a:effectRef>
-          <a:fontRef idx="minor">
-            <a:schemeClr val="lt1"/>
-          </a:fontRef>
-        </p:style>
-        <p:txBody>
-          <a:bodyPr rot="0" spcFirstLastPara="0" vertOverflow="overflow" horzOverflow="overflow" vert="horz" wrap="square" lIns="91440" tIns="45720" rIns="91440" bIns="45720" numCol="1" spcCol="0" rtlCol="0" fromWordArt="0" anchor="ctr" anchorCtr="0" forceAA="0" compatLnSpc="1">
-            <a:prstTxWarp prst="textNoShape">
+            <a:ln>
+              <a:solidFill>
+                <a:schemeClr val="accent6"/>
+              </a:solidFill>
+            </a:ln>
+          </p:spPr>
+          <p:style>
+            <a:lnRef idx="2">
+              <a:schemeClr val="accent1">
+                <a:shade val="50000"/>
+              </a:schemeClr>
+            </a:lnRef>
+            <a:fillRef idx="1">
+              <a:schemeClr val="accent1"/>
+            </a:fillRef>
+            <a:effectRef idx="0">
+              <a:schemeClr val="accent1"/>
+            </a:effectRef>
+            <a:fontRef idx="minor">
+              <a:schemeClr val="lt1"/>
+            </a:fontRef>
+          </p:style>
+          <p:txBody>
+            <a:bodyPr rot="0" spcFirstLastPara="0" vertOverflow="overflow" horzOverflow="overflow" vert="horz" wrap="square" lIns="91440" tIns="45720" rIns="91440" bIns="45720" numCol="1" spcCol="0" rtlCol="0" fromWordArt="0" anchor="ctr" anchorCtr="0" forceAA="0" compatLnSpc="1">
+              <a:prstTxWarp prst="textNoShape">
+                <a:avLst/>
+              </a:prstTxWarp>
+              <a:noAutofit/>
+            </a:bodyPr>
+            <a:lstStyle/>
+            <a:p>
+              <a:pPr algn="ctr"/>
+              <a:r>
+                <a:rPr lang="pt-BR" sz="2000" dirty="0"/>
+                <a:t>Flatten</a:t>
+              </a:r>
+            </a:p>
+          </p:txBody>
+        </p:sp>
+        <p:sp>
+          <p:nvSpPr>
+            <p:cNvPr id="50" name="Rectangle: Rounded Corners 49">
+              <a:extLst>
+                <a:ext uri="{FF2B5EF4-FFF2-40B4-BE49-F238E27FC236}">
+                  <a16:creationId xmlns:a16="http://schemas.microsoft.com/office/drawing/2014/main" id="{BA78B7FD-78A1-42D6-941C-79B53122EB48}"/>
+                </a:ext>
+              </a:extLst>
+            </p:cNvPr>
+            <p:cNvSpPr/>
+            <p:nvPr/>
+          </p:nvSpPr>
+          <p:spPr>
+            <a:xfrm rot="16200000">
+              <a:off x="9677200" y="2938711"/>
+              <a:ext cx="1111827" cy="550725"/>
+            </a:xfrm>
+            <a:prstGeom prst="roundRect">
               <a:avLst/>
-            </a:prstTxWarp>
-            <a:noAutofit/>
-          </a:bodyPr>
-          <a:lstStyle/>
-          <a:p>
-            <a:pPr algn="ctr"/>
-            <a:r>
-              <a:rPr lang="pt-BR" sz="2000" dirty="0"/>
-              <a:t>Flatten</a:t>
-            </a:r>
-          </a:p>
-        </p:txBody>
-      </p:sp>
-      <p:sp>
-        <p:nvSpPr>
-          <p:cNvPr id="50" name="Rectangle: Rounded Corners 49">
-            <a:extLst>
-              <a:ext uri="{FF2B5EF4-FFF2-40B4-BE49-F238E27FC236}">
-                <a16:creationId xmlns:a16="http://schemas.microsoft.com/office/drawing/2014/main" id="{BA78B7FD-78A1-42D6-941C-79B53122EB48}"/>
-              </a:ext>
-            </a:extLst>
-          </p:cNvPr>
-          <p:cNvSpPr/>
-          <p:nvPr/>
-        </p:nvSpPr>
-        <p:spPr>
-          <a:xfrm rot="16200000">
-            <a:off x="10743999" y="3132847"/>
-            <a:ext cx="1111827" cy="550725"/>
-          </a:xfrm>
-          <a:prstGeom prst="roundRect">
-            <a:avLst/>
-          </a:prstGeom>
-          <a:solidFill>
-            <a:schemeClr val="accent6"/>
-          </a:solidFill>
-          <a:ln>
+            </a:prstGeom>
             <a:solidFill>
               <a:schemeClr val="accent6"/>
             </a:solidFill>
-          </a:ln>
-        </p:spPr>
-        <p:style>
-          <a:lnRef idx="2">
-            <a:schemeClr val="accent1">
-              <a:shade val="50000"/>
-            </a:schemeClr>
-          </a:lnRef>
-          <a:fillRef idx="1">
-            <a:schemeClr val="accent1"/>
-          </a:fillRef>
-          <a:effectRef idx="0">
-            <a:schemeClr val="accent1"/>
-          </a:effectRef>
-          <a:fontRef idx="minor">
-            <a:schemeClr val="lt1"/>
-          </a:fontRef>
-        </p:style>
-        <p:txBody>
-          <a:bodyPr rot="0" spcFirstLastPara="0" vertOverflow="overflow" horzOverflow="overflow" vert="horz" wrap="square" lIns="91440" tIns="45720" rIns="91440" bIns="45720" numCol="1" spcCol="0" rtlCol="0" fromWordArt="0" anchor="ctr" anchorCtr="0" forceAA="0" compatLnSpc="1">
-            <a:prstTxWarp prst="textNoShape">
+            <a:ln>
+              <a:solidFill>
+                <a:schemeClr val="accent6"/>
+              </a:solidFill>
+            </a:ln>
+          </p:spPr>
+          <p:style>
+            <a:lnRef idx="2">
+              <a:schemeClr val="accent1">
+                <a:shade val="50000"/>
+              </a:schemeClr>
+            </a:lnRef>
+            <a:fillRef idx="1">
+              <a:schemeClr val="accent1"/>
+            </a:fillRef>
+            <a:effectRef idx="0">
+              <a:schemeClr val="accent1"/>
+            </a:effectRef>
+            <a:fontRef idx="minor">
+              <a:schemeClr val="lt1"/>
+            </a:fontRef>
+          </p:style>
+          <p:txBody>
+            <a:bodyPr rot="0" spcFirstLastPara="0" vertOverflow="overflow" horzOverflow="overflow" vert="horz" wrap="square" lIns="91440" tIns="45720" rIns="91440" bIns="45720" numCol="1" spcCol="0" rtlCol="0" fromWordArt="0" anchor="ctr" anchorCtr="0" forceAA="0" compatLnSpc="1">
+              <a:prstTxWarp prst="textNoShape">
+                <a:avLst/>
+              </a:prstTxWarp>
+              <a:noAutofit/>
+            </a:bodyPr>
+            <a:lstStyle/>
+            <a:p>
+              <a:pPr algn="ctr"/>
+              <a:r>
+                <a:rPr lang="pt-BR" sz="2000" dirty="0"/>
+                <a:t>Dense</a:t>
+              </a:r>
+            </a:p>
+            <a:p>
+              <a:pPr algn="ctr"/>
+              <a:r>
+                <a:rPr lang="pt-BR" sz="1100" dirty="0"/>
+                <a:t>(512)</a:t>
+              </a:r>
+              <a:endParaRPr lang="pt-BR" sz="2000" dirty="0"/>
+            </a:p>
+          </p:txBody>
+        </p:sp>
+        <p:sp>
+          <p:nvSpPr>
+            <p:cNvPr id="51" name="Rectangle: Rounded Corners 50">
+              <a:extLst>
+                <a:ext uri="{FF2B5EF4-FFF2-40B4-BE49-F238E27FC236}">
+                  <a16:creationId xmlns:a16="http://schemas.microsoft.com/office/drawing/2014/main" id="{9090B847-CA0F-4F45-AD6F-214E50D5DCEC}"/>
+                </a:ext>
+              </a:extLst>
+            </p:cNvPr>
+            <p:cNvSpPr/>
+            <p:nvPr/>
+          </p:nvSpPr>
+          <p:spPr>
+            <a:xfrm rot="16200000">
+              <a:off x="10410679" y="2938709"/>
+              <a:ext cx="1111827" cy="550724"/>
+            </a:xfrm>
+            <a:prstGeom prst="roundRect">
               <a:avLst/>
-            </a:prstTxWarp>
-            <a:noAutofit/>
-          </a:bodyPr>
-          <a:lstStyle/>
-          <a:p>
-            <a:pPr algn="ctr"/>
-            <a:r>
-              <a:rPr lang="pt-BR" sz="2000" dirty="0"/>
-              <a:t>Dense</a:t>
-            </a:r>
-          </a:p>
-          <a:p>
-            <a:pPr algn="ctr"/>
-            <a:r>
-              <a:rPr lang="pt-BR" sz="1100" dirty="0"/>
-              <a:t>(512)</a:t>
-            </a:r>
-            <a:endParaRPr lang="pt-BR" sz="2000" dirty="0"/>
-          </a:p>
-        </p:txBody>
-      </p:sp>
-      <p:sp>
-        <p:nvSpPr>
-          <p:cNvPr id="51" name="Rectangle: Rounded Corners 50">
-            <a:extLst>
-              <a:ext uri="{FF2B5EF4-FFF2-40B4-BE49-F238E27FC236}">
-                <a16:creationId xmlns:a16="http://schemas.microsoft.com/office/drawing/2014/main" id="{9090B847-CA0F-4F45-AD6F-214E50D5DCEC}"/>
-              </a:ext>
-            </a:extLst>
-          </p:cNvPr>
-          <p:cNvSpPr/>
-          <p:nvPr/>
-        </p:nvSpPr>
-        <p:spPr>
-          <a:xfrm rot="16200000">
-            <a:off x="11477478" y="3132845"/>
-            <a:ext cx="1111827" cy="550724"/>
-          </a:xfrm>
-          <a:prstGeom prst="roundRect">
-            <a:avLst/>
-          </a:prstGeom>
-          <a:solidFill>
-            <a:schemeClr val="accent2"/>
-          </a:solidFill>
-          <a:ln>
+            </a:prstGeom>
             <a:solidFill>
               <a:schemeClr val="accent2"/>
             </a:solidFill>
-          </a:ln>
-        </p:spPr>
-        <p:style>
-          <a:lnRef idx="2">
-            <a:schemeClr val="accent1">
-              <a:shade val="50000"/>
-            </a:schemeClr>
-          </a:lnRef>
-          <a:fillRef idx="1">
-            <a:schemeClr val="accent1"/>
-          </a:fillRef>
-          <a:effectRef idx="0">
-            <a:schemeClr val="accent1"/>
-          </a:effectRef>
-          <a:fontRef idx="minor">
-            <a:schemeClr val="lt1"/>
-          </a:fontRef>
-        </p:style>
-        <p:txBody>
-          <a:bodyPr rot="0" spcFirstLastPara="0" vertOverflow="overflow" horzOverflow="overflow" vert="horz" wrap="square" lIns="91440" tIns="45720" rIns="91440" bIns="45720" numCol="1" spcCol="0" rtlCol="0" fromWordArt="0" anchor="ctr" anchorCtr="0" forceAA="0" compatLnSpc="1">
-            <a:prstTxWarp prst="textNoShape">
+            <a:ln>
+              <a:solidFill>
+                <a:schemeClr val="accent2"/>
+              </a:solidFill>
+            </a:ln>
+          </p:spPr>
+          <p:style>
+            <a:lnRef idx="2">
+              <a:schemeClr val="accent1">
+                <a:shade val="50000"/>
+              </a:schemeClr>
+            </a:lnRef>
+            <a:fillRef idx="1">
+              <a:schemeClr val="accent1"/>
+            </a:fillRef>
+            <a:effectRef idx="0">
+              <a:schemeClr val="accent1"/>
+            </a:effectRef>
+            <a:fontRef idx="minor">
+              <a:schemeClr val="lt1"/>
+            </a:fontRef>
+          </p:style>
+          <p:txBody>
+            <a:bodyPr rot="0" spcFirstLastPara="0" vertOverflow="overflow" horzOverflow="overflow" vert="horz" wrap="square" lIns="91440" tIns="45720" rIns="91440" bIns="45720" numCol="1" spcCol="0" rtlCol="0" fromWordArt="0" anchor="ctr" anchorCtr="0" forceAA="0" compatLnSpc="1">
+              <a:prstTxWarp prst="textNoShape">
+                <a:avLst/>
+              </a:prstTxWarp>
+              <a:noAutofit/>
+            </a:bodyPr>
+            <a:lstStyle/>
+            <a:p>
+              <a:pPr algn="ctr"/>
+              <a:r>
+                <a:rPr lang="pt-BR" sz="2000" dirty="0"/>
+                <a:t>ReLU</a:t>
+              </a:r>
+            </a:p>
+          </p:txBody>
+        </p:sp>
+        <p:sp>
+          <p:nvSpPr>
+            <p:cNvPr id="52" name="Rectangle: Rounded Corners 51">
+              <a:extLst>
+                <a:ext uri="{FF2B5EF4-FFF2-40B4-BE49-F238E27FC236}">
+                  <a16:creationId xmlns:a16="http://schemas.microsoft.com/office/drawing/2014/main" id="{7286AC80-E642-4F82-9B11-C973D627596B}"/>
+                </a:ext>
+              </a:extLst>
+            </p:cNvPr>
+            <p:cNvSpPr/>
+            <p:nvPr/>
+          </p:nvSpPr>
+          <p:spPr>
+            <a:xfrm rot="16200000">
+              <a:off x="11131027" y="2938709"/>
+              <a:ext cx="1111827" cy="550725"/>
+            </a:xfrm>
+            <a:prstGeom prst="roundRect">
               <a:avLst/>
-            </a:prstTxWarp>
-            <a:noAutofit/>
-          </a:bodyPr>
-          <a:lstStyle/>
-          <a:p>
-            <a:pPr algn="ctr"/>
-            <a:r>
-              <a:rPr lang="pt-BR" sz="2000" dirty="0"/>
-              <a:t>ReLU</a:t>
-            </a:r>
-          </a:p>
-        </p:txBody>
-      </p:sp>
-      <p:sp>
-        <p:nvSpPr>
-          <p:cNvPr id="52" name="Rectangle: Rounded Corners 51">
-            <a:extLst>
-              <a:ext uri="{FF2B5EF4-FFF2-40B4-BE49-F238E27FC236}">
-                <a16:creationId xmlns:a16="http://schemas.microsoft.com/office/drawing/2014/main" id="{7286AC80-E642-4F82-9B11-C973D627596B}"/>
-              </a:ext>
-            </a:extLst>
-          </p:cNvPr>
-          <p:cNvSpPr/>
-          <p:nvPr/>
-        </p:nvSpPr>
-        <p:spPr>
-          <a:xfrm rot="16200000">
-            <a:off x="12197826" y="3132845"/>
-            <a:ext cx="1111827" cy="550725"/>
-          </a:xfrm>
-          <a:prstGeom prst="roundRect">
-            <a:avLst/>
-          </a:prstGeom>
-          <a:solidFill>
-            <a:schemeClr val="accent6"/>
-          </a:solidFill>
-          <a:ln>
+            </a:prstGeom>
             <a:solidFill>
               <a:schemeClr val="accent6"/>
             </a:solidFill>
-          </a:ln>
-        </p:spPr>
-        <p:style>
-          <a:lnRef idx="2">
-            <a:schemeClr val="accent1">
-              <a:shade val="50000"/>
-            </a:schemeClr>
-          </a:lnRef>
-          <a:fillRef idx="1">
-            <a:schemeClr val="accent1"/>
-          </a:fillRef>
-          <a:effectRef idx="0">
-            <a:schemeClr val="accent1"/>
-          </a:effectRef>
-          <a:fontRef idx="minor">
-            <a:schemeClr val="lt1"/>
-          </a:fontRef>
-        </p:style>
-        <p:txBody>
-          <a:bodyPr rot="0" spcFirstLastPara="0" vertOverflow="overflow" horzOverflow="overflow" vert="horz" wrap="square" lIns="91440" tIns="45720" rIns="91440" bIns="45720" numCol="1" spcCol="0" rtlCol="0" fromWordArt="0" anchor="ctr" anchorCtr="0" forceAA="0" compatLnSpc="1">
-            <a:prstTxWarp prst="textNoShape">
+            <a:ln>
+              <a:solidFill>
+                <a:schemeClr val="accent6"/>
+              </a:solidFill>
+            </a:ln>
+          </p:spPr>
+          <p:style>
+            <a:lnRef idx="2">
+              <a:schemeClr val="accent1">
+                <a:shade val="50000"/>
+              </a:schemeClr>
+            </a:lnRef>
+            <a:fillRef idx="1">
+              <a:schemeClr val="accent1"/>
+            </a:fillRef>
+            <a:effectRef idx="0">
+              <a:schemeClr val="accent1"/>
+            </a:effectRef>
+            <a:fontRef idx="minor">
+              <a:schemeClr val="lt1"/>
+            </a:fontRef>
+          </p:style>
+          <p:txBody>
+            <a:bodyPr rot="0" spcFirstLastPara="0" vertOverflow="overflow" horzOverflow="overflow" vert="horz" wrap="square" lIns="91440" tIns="45720" rIns="91440" bIns="45720" numCol="1" spcCol="0" rtlCol="0" fromWordArt="0" anchor="ctr" anchorCtr="0" forceAA="0" compatLnSpc="1">
+              <a:prstTxWarp prst="textNoShape">
+                <a:avLst/>
+              </a:prstTxWarp>
+              <a:noAutofit/>
+            </a:bodyPr>
+            <a:lstStyle/>
+            <a:p>
+              <a:pPr algn="ctr"/>
+              <a:r>
+                <a:rPr lang="pt-BR" sz="2000" dirty="0"/>
+                <a:t>Dense</a:t>
+              </a:r>
+            </a:p>
+            <a:p>
+              <a:pPr algn="ctr"/>
+              <a:r>
+                <a:rPr lang="pt-BR" sz="1100" dirty="0"/>
+                <a:t>(10)</a:t>
+              </a:r>
+              <a:endParaRPr lang="pt-BR" sz="2000" dirty="0"/>
+            </a:p>
+          </p:txBody>
+        </p:sp>
+        <p:sp>
+          <p:nvSpPr>
+            <p:cNvPr id="53" name="Rectangle: Rounded Corners 52">
+              <a:extLst>
+                <a:ext uri="{FF2B5EF4-FFF2-40B4-BE49-F238E27FC236}">
+                  <a16:creationId xmlns:a16="http://schemas.microsoft.com/office/drawing/2014/main" id="{3DFD1484-4C78-4BCB-9184-BE3504D882D5}"/>
+                </a:ext>
+              </a:extLst>
+            </p:cNvPr>
+            <p:cNvSpPr/>
+            <p:nvPr/>
+          </p:nvSpPr>
+          <p:spPr>
+            <a:xfrm rot="16200000">
+              <a:off x="11857605" y="2943917"/>
+              <a:ext cx="1111827" cy="550724"/>
+            </a:xfrm>
+            <a:prstGeom prst="roundRect">
               <a:avLst/>
-            </a:prstTxWarp>
-            <a:noAutofit/>
-          </a:bodyPr>
-          <a:lstStyle/>
-          <a:p>
-            <a:pPr algn="ctr"/>
-            <a:r>
-              <a:rPr lang="pt-BR" sz="2000" dirty="0"/>
-              <a:t>Dense</a:t>
-            </a:r>
-          </a:p>
-          <a:p>
-            <a:pPr algn="ctr"/>
-            <a:r>
-              <a:rPr lang="pt-BR" sz="1100" dirty="0"/>
-              <a:t>(10)</a:t>
-            </a:r>
-            <a:endParaRPr lang="pt-BR" sz="2000" dirty="0"/>
-          </a:p>
-        </p:txBody>
-      </p:sp>
-      <p:sp>
-        <p:nvSpPr>
-          <p:cNvPr id="53" name="Rectangle: Rounded Corners 52">
-            <a:extLst>
-              <a:ext uri="{FF2B5EF4-FFF2-40B4-BE49-F238E27FC236}">
-                <a16:creationId xmlns:a16="http://schemas.microsoft.com/office/drawing/2014/main" id="{3DFD1484-4C78-4BCB-9184-BE3504D882D5}"/>
-              </a:ext>
-            </a:extLst>
-          </p:cNvPr>
-          <p:cNvSpPr/>
-          <p:nvPr/>
-        </p:nvSpPr>
-        <p:spPr>
-          <a:xfrm rot="16200000">
-            <a:off x="12924404" y="3138052"/>
-            <a:ext cx="1111827" cy="550724"/>
-          </a:xfrm>
-          <a:prstGeom prst="roundRect">
-            <a:avLst/>
-          </a:prstGeom>
-          <a:solidFill>
-            <a:schemeClr val="accent2"/>
-          </a:solidFill>
-          <a:ln>
+            </a:prstGeom>
             <a:solidFill>
               <a:schemeClr val="accent2"/>
             </a:solidFill>
-          </a:ln>
-        </p:spPr>
-        <p:style>
-          <a:lnRef idx="2">
-            <a:schemeClr val="accent1">
-              <a:shade val="50000"/>
-            </a:schemeClr>
-          </a:lnRef>
-          <a:fillRef idx="1">
-            <a:schemeClr val="accent1"/>
-          </a:fillRef>
-          <a:effectRef idx="0">
-            <a:schemeClr val="accent1"/>
-          </a:effectRef>
-          <a:fontRef idx="minor">
-            <a:schemeClr val="lt1"/>
-          </a:fontRef>
-        </p:style>
-        <p:txBody>
-          <a:bodyPr rot="0" spcFirstLastPara="0" vertOverflow="overflow" horzOverflow="overflow" vert="horz" wrap="square" lIns="91440" tIns="45720" rIns="91440" bIns="45720" numCol="1" spcCol="0" rtlCol="0" fromWordArt="0" anchor="ctr" anchorCtr="0" forceAA="0" compatLnSpc="1">
-            <a:prstTxWarp prst="textNoShape">
+            <a:ln>
+              <a:solidFill>
+                <a:schemeClr val="accent2"/>
+              </a:solidFill>
+            </a:ln>
+          </p:spPr>
+          <p:style>
+            <a:lnRef idx="2">
+              <a:schemeClr val="accent1">
+                <a:shade val="50000"/>
+              </a:schemeClr>
+            </a:lnRef>
+            <a:fillRef idx="1">
+              <a:schemeClr val="accent1"/>
+            </a:fillRef>
+            <a:effectRef idx="0">
+              <a:schemeClr val="accent1"/>
+            </a:effectRef>
+            <a:fontRef idx="minor">
+              <a:schemeClr val="lt1"/>
+            </a:fontRef>
+          </p:style>
+          <p:txBody>
+            <a:bodyPr rot="0" spcFirstLastPara="0" vertOverflow="overflow" horzOverflow="overflow" vert="horz" wrap="square" lIns="91440" tIns="45720" rIns="91440" bIns="45720" numCol="1" spcCol="0" rtlCol="0" fromWordArt="0" anchor="ctr" anchorCtr="0" forceAA="0" compatLnSpc="1">
+              <a:prstTxWarp prst="textNoShape">
+                <a:avLst/>
+              </a:prstTxWarp>
+              <a:noAutofit/>
+            </a:bodyPr>
+            <a:lstStyle/>
+            <a:p>
+              <a:pPr algn="ctr"/>
+              <a:r>
+                <a:rPr lang="pt-BR" sz="2000" dirty="0"/>
+                <a:t>Softmax</a:t>
+              </a:r>
+            </a:p>
+          </p:txBody>
+        </p:sp>
+        <p:cxnSp>
+          <p:nvCxnSpPr>
+            <p:cNvPr id="58" name="Straight Arrow Connector 57">
+              <a:extLst>
+                <a:ext uri="{FF2B5EF4-FFF2-40B4-BE49-F238E27FC236}">
+                  <a16:creationId xmlns:a16="http://schemas.microsoft.com/office/drawing/2014/main" id="{467A1EA1-41A3-45FD-923A-14DF63F012CE}"/>
+                </a:ext>
+              </a:extLst>
+            </p:cNvPr>
+            <p:cNvCxnSpPr>
+              <a:stCxn id="49" idx="2"/>
+              <a:endCxn id="50" idx="0"/>
+            </p:cNvCxnSpPr>
+            <p:nvPr/>
+          </p:nvCxnSpPr>
+          <p:spPr>
+            <a:xfrm flipV="1">
+              <a:off x="9774998" y="3214074"/>
+              <a:ext cx="182754" cy="1"/>
+            </a:xfrm>
+            <a:prstGeom prst="straightConnector1">
               <a:avLst/>
-            </a:prstTxWarp>
-            <a:noAutofit/>
-          </a:bodyPr>
-          <a:lstStyle/>
-          <a:p>
-            <a:pPr algn="ctr"/>
-            <a:r>
-              <a:rPr lang="pt-BR" sz="2000" dirty="0"/>
-              <a:t>Softmax</a:t>
-            </a:r>
-          </a:p>
-        </p:txBody>
-      </p:sp>
-      <p:cxnSp>
-        <p:nvCxnSpPr>
-          <p:cNvPr id="58" name="Straight Arrow Connector 57">
-            <a:extLst>
-              <a:ext uri="{FF2B5EF4-FFF2-40B4-BE49-F238E27FC236}">
-                <a16:creationId xmlns:a16="http://schemas.microsoft.com/office/drawing/2014/main" id="{467A1EA1-41A3-45FD-923A-14DF63F012CE}"/>
-              </a:ext>
-            </a:extLst>
-          </p:cNvPr>
-          <p:cNvCxnSpPr>
-            <a:stCxn id="49" idx="2"/>
-            <a:endCxn id="50" idx="0"/>
-          </p:cNvCxnSpPr>
-          <p:nvPr/>
-        </p:nvCxnSpPr>
-        <p:spPr>
-          <a:xfrm flipV="1">
-            <a:off x="10841795" y="3408209"/>
-            <a:ext cx="182754" cy="1"/>
-          </a:xfrm>
-          <a:prstGeom prst="straightConnector1">
-            <a:avLst/>
-          </a:prstGeom>
-          <a:ln>
-            <a:tailEnd type="triangle"/>
-          </a:ln>
-        </p:spPr>
-        <p:style>
-          <a:lnRef idx="3">
-            <a:schemeClr val="accent1"/>
-          </a:lnRef>
-          <a:fillRef idx="0">
-            <a:schemeClr val="accent1"/>
-          </a:fillRef>
-          <a:effectRef idx="2">
-            <a:schemeClr val="accent1"/>
-          </a:effectRef>
-          <a:fontRef idx="minor">
-            <a:schemeClr val="tx1"/>
-          </a:fontRef>
-        </p:style>
-      </p:cxnSp>
-      <p:cxnSp>
-        <p:nvCxnSpPr>
-          <p:cNvPr id="1028" name="Straight Arrow Connector 1027">
-            <a:extLst>
-              <a:ext uri="{FF2B5EF4-FFF2-40B4-BE49-F238E27FC236}">
-                <a16:creationId xmlns:a16="http://schemas.microsoft.com/office/drawing/2014/main" id="{AE5B8D81-F439-4A37-B129-0C93EFFFE358}"/>
-              </a:ext>
-            </a:extLst>
-          </p:cNvPr>
-          <p:cNvCxnSpPr>
-            <a:stCxn id="23" idx="2"/>
-            <a:endCxn id="49" idx="0"/>
-          </p:cNvCxnSpPr>
-          <p:nvPr/>
-        </p:nvCxnSpPr>
-        <p:spPr>
-          <a:xfrm flipV="1">
-            <a:off x="10111924" y="3408209"/>
-            <a:ext cx="179147" cy="20788"/>
-          </a:xfrm>
-          <a:prstGeom prst="straightConnector1">
-            <a:avLst/>
-          </a:prstGeom>
-          <a:ln>
-            <a:tailEnd type="triangle"/>
-          </a:ln>
-        </p:spPr>
-        <p:style>
-          <a:lnRef idx="3">
-            <a:schemeClr val="accent1"/>
-          </a:lnRef>
-          <a:fillRef idx="0">
-            <a:schemeClr val="accent1"/>
-          </a:fillRef>
-          <a:effectRef idx="2">
-            <a:schemeClr val="accent1"/>
-          </a:effectRef>
-          <a:fontRef idx="minor">
-            <a:schemeClr val="tx1"/>
-          </a:fontRef>
-        </p:style>
-      </p:cxnSp>
-      <p:cxnSp>
-        <p:nvCxnSpPr>
-          <p:cNvPr id="1030" name="Straight Arrow Connector 1029">
-            <a:extLst>
-              <a:ext uri="{FF2B5EF4-FFF2-40B4-BE49-F238E27FC236}">
-                <a16:creationId xmlns:a16="http://schemas.microsoft.com/office/drawing/2014/main" id="{8A4FD49F-3CF9-4EEB-BBA3-3F880FF525A5}"/>
-              </a:ext>
-            </a:extLst>
-          </p:cNvPr>
-          <p:cNvCxnSpPr>
-            <a:stCxn id="50" idx="2"/>
-            <a:endCxn id="51" idx="0"/>
-          </p:cNvCxnSpPr>
-          <p:nvPr/>
-        </p:nvCxnSpPr>
-        <p:spPr>
-          <a:xfrm flipV="1">
-            <a:off x="11575275" y="3408208"/>
-            <a:ext cx="182755" cy="1"/>
-          </a:xfrm>
-          <a:prstGeom prst="straightConnector1">
-            <a:avLst/>
-          </a:prstGeom>
-          <a:ln>
-            <a:tailEnd type="triangle"/>
-          </a:ln>
-        </p:spPr>
-        <p:style>
-          <a:lnRef idx="3">
-            <a:schemeClr val="accent1"/>
-          </a:lnRef>
-          <a:fillRef idx="0">
-            <a:schemeClr val="accent1"/>
-          </a:fillRef>
-          <a:effectRef idx="2">
-            <a:schemeClr val="accent1"/>
-          </a:effectRef>
-          <a:fontRef idx="minor">
-            <a:schemeClr val="tx1"/>
-          </a:fontRef>
-        </p:style>
-      </p:cxnSp>
-      <p:cxnSp>
-        <p:nvCxnSpPr>
-          <p:cNvPr id="1036" name="Straight Arrow Connector 1035">
-            <a:extLst>
-              <a:ext uri="{FF2B5EF4-FFF2-40B4-BE49-F238E27FC236}">
-                <a16:creationId xmlns:a16="http://schemas.microsoft.com/office/drawing/2014/main" id="{2054E71E-0E00-4478-AE53-282507A29A34}"/>
-              </a:ext>
-            </a:extLst>
-          </p:cNvPr>
-          <p:cNvCxnSpPr>
-            <a:stCxn id="51" idx="2"/>
-            <a:endCxn id="52" idx="0"/>
-          </p:cNvCxnSpPr>
-          <p:nvPr/>
-        </p:nvCxnSpPr>
-        <p:spPr>
-          <a:xfrm flipV="1">
-            <a:off x="12308754" y="3408207"/>
-            <a:ext cx="169623" cy="1"/>
-          </a:xfrm>
-          <a:prstGeom prst="straightConnector1">
-            <a:avLst/>
-          </a:prstGeom>
-          <a:ln>
-            <a:tailEnd type="triangle"/>
-          </a:ln>
-        </p:spPr>
-        <p:style>
-          <a:lnRef idx="3">
-            <a:schemeClr val="accent1"/>
-          </a:lnRef>
-          <a:fillRef idx="0">
-            <a:schemeClr val="accent1"/>
-          </a:fillRef>
-          <a:effectRef idx="2">
-            <a:schemeClr val="accent1"/>
-          </a:effectRef>
-          <a:fontRef idx="minor">
-            <a:schemeClr val="tx1"/>
-          </a:fontRef>
-        </p:style>
-      </p:cxnSp>
-      <p:cxnSp>
-        <p:nvCxnSpPr>
-          <p:cNvPr id="1038" name="Straight Arrow Connector 1037">
-            <a:extLst>
-              <a:ext uri="{FF2B5EF4-FFF2-40B4-BE49-F238E27FC236}">
-                <a16:creationId xmlns:a16="http://schemas.microsoft.com/office/drawing/2014/main" id="{B823B933-A9EA-4F5C-9DDB-89AEE9901FE9}"/>
-              </a:ext>
-            </a:extLst>
-          </p:cNvPr>
-          <p:cNvCxnSpPr>
-            <a:stCxn id="52" idx="2"/>
-            <a:endCxn id="53" idx="0"/>
-          </p:cNvCxnSpPr>
-          <p:nvPr/>
-        </p:nvCxnSpPr>
-        <p:spPr>
-          <a:xfrm>
-            <a:off x="13029101" y="3408206"/>
-            <a:ext cx="175854" cy="5208"/>
-          </a:xfrm>
-          <a:prstGeom prst="straightConnector1">
-            <a:avLst/>
-          </a:prstGeom>
-          <a:ln>
-            <a:tailEnd type="triangle"/>
-          </a:ln>
-        </p:spPr>
-        <p:style>
-          <a:lnRef idx="3">
-            <a:schemeClr val="accent1"/>
-          </a:lnRef>
-          <a:fillRef idx="0">
-            <a:schemeClr val="accent1"/>
-          </a:fillRef>
-          <a:effectRef idx="2">
-            <a:schemeClr val="accent1"/>
-          </a:effectRef>
-          <a:fontRef idx="minor">
-            <a:schemeClr val="tx1"/>
-          </a:fontRef>
-        </p:style>
-      </p:cxnSp>
-      <p:sp>
-        <p:nvSpPr>
-          <p:cNvPr id="1039" name="TextBox 1038">
-            <a:extLst>
-              <a:ext uri="{FF2B5EF4-FFF2-40B4-BE49-F238E27FC236}">
-                <a16:creationId xmlns:a16="http://schemas.microsoft.com/office/drawing/2014/main" id="{828F7D95-1B26-44A6-8BC6-022EAC62E5BD}"/>
-              </a:ext>
-            </a:extLst>
-          </p:cNvPr>
-          <p:cNvSpPr txBox="1"/>
-          <p:nvPr/>
-        </p:nvSpPr>
-        <p:spPr>
-          <a:xfrm>
-            <a:off x="1431112" y="4123603"/>
-            <a:ext cx="1142993" cy="246221"/>
-          </a:xfrm>
-          <a:prstGeom prst="rect">
-            <a:avLst/>
-          </a:prstGeom>
-          <a:noFill/>
-          <a:ln>
+            </a:prstGeom>
+            <a:ln>
+              <a:tailEnd type="triangle"/>
+            </a:ln>
+          </p:spPr>
+          <p:style>
+            <a:lnRef idx="3">
+              <a:schemeClr val="accent1"/>
+            </a:lnRef>
+            <a:fillRef idx="0">
+              <a:schemeClr val="accent1"/>
+            </a:fillRef>
+            <a:effectRef idx="2">
+              <a:schemeClr val="accent1"/>
+            </a:effectRef>
+            <a:fontRef idx="minor">
+              <a:schemeClr val="tx1"/>
+            </a:fontRef>
+          </p:style>
+        </p:cxnSp>
+        <p:cxnSp>
+          <p:nvCxnSpPr>
+            <p:cNvPr id="1028" name="Straight Arrow Connector 1027">
+              <a:extLst>
+                <a:ext uri="{FF2B5EF4-FFF2-40B4-BE49-F238E27FC236}">
+                  <a16:creationId xmlns:a16="http://schemas.microsoft.com/office/drawing/2014/main" id="{AE5B8D81-F439-4A37-B129-0C93EFFFE358}"/>
+                </a:ext>
+              </a:extLst>
+            </p:cNvPr>
+            <p:cNvCxnSpPr>
+              <a:stCxn id="23" idx="2"/>
+              <a:endCxn id="49" idx="0"/>
+            </p:cNvCxnSpPr>
+            <p:nvPr/>
+          </p:nvCxnSpPr>
+          <p:spPr>
+            <a:xfrm>
+              <a:off x="9045125" y="3209927"/>
+              <a:ext cx="179147" cy="4147"/>
+            </a:xfrm>
+            <a:prstGeom prst="straightConnector1">
+              <a:avLst/>
+            </a:prstGeom>
+            <a:ln>
+              <a:tailEnd type="triangle"/>
+            </a:ln>
+          </p:spPr>
+          <p:style>
+            <a:lnRef idx="3">
+              <a:schemeClr val="accent1"/>
+            </a:lnRef>
+            <a:fillRef idx="0">
+              <a:schemeClr val="accent1"/>
+            </a:fillRef>
+            <a:effectRef idx="2">
+              <a:schemeClr val="accent1"/>
+            </a:effectRef>
+            <a:fontRef idx="minor">
+              <a:schemeClr val="tx1"/>
+            </a:fontRef>
+          </p:style>
+        </p:cxnSp>
+        <p:cxnSp>
+          <p:nvCxnSpPr>
+            <p:cNvPr id="1030" name="Straight Arrow Connector 1029">
+              <a:extLst>
+                <a:ext uri="{FF2B5EF4-FFF2-40B4-BE49-F238E27FC236}">
+                  <a16:creationId xmlns:a16="http://schemas.microsoft.com/office/drawing/2014/main" id="{8A4FD49F-3CF9-4EEB-BBA3-3F880FF525A5}"/>
+                </a:ext>
+              </a:extLst>
+            </p:cNvPr>
+            <p:cNvCxnSpPr>
+              <a:stCxn id="50" idx="2"/>
+              <a:endCxn id="51" idx="0"/>
+            </p:cNvCxnSpPr>
+            <p:nvPr/>
+          </p:nvCxnSpPr>
+          <p:spPr>
+            <a:xfrm flipV="1">
+              <a:off x="10508476" y="3214070"/>
+              <a:ext cx="182754" cy="3"/>
+            </a:xfrm>
+            <a:prstGeom prst="straightConnector1">
+              <a:avLst/>
+            </a:prstGeom>
+            <a:ln>
+              <a:tailEnd type="triangle"/>
+            </a:ln>
+          </p:spPr>
+          <p:style>
+            <a:lnRef idx="3">
+              <a:schemeClr val="accent1"/>
+            </a:lnRef>
+            <a:fillRef idx="0">
+              <a:schemeClr val="accent1"/>
+            </a:fillRef>
+            <a:effectRef idx="2">
+              <a:schemeClr val="accent1"/>
+            </a:effectRef>
+            <a:fontRef idx="minor">
+              <a:schemeClr val="tx1"/>
+            </a:fontRef>
+          </p:style>
+        </p:cxnSp>
+        <p:cxnSp>
+          <p:nvCxnSpPr>
+            <p:cNvPr id="1036" name="Straight Arrow Connector 1035">
+              <a:extLst>
+                <a:ext uri="{FF2B5EF4-FFF2-40B4-BE49-F238E27FC236}">
+                  <a16:creationId xmlns:a16="http://schemas.microsoft.com/office/drawing/2014/main" id="{2054E71E-0E00-4478-AE53-282507A29A34}"/>
+                </a:ext>
+              </a:extLst>
+            </p:cNvPr>
+            <p:cNvCxnSpPr>
+              <a:stCxn id="51" idx="2"/>
+              <a:endCxn id="52" idx="0"/>
+            </p:cNvCxnSpPr>
+            <p:nvPr/>
+          </p:nvCxnSpPr>
+          <p:spPr>
+            <a:xfrm>
+              <a:off x="11241954" y="3214071"/>
+              <a:ext cx="169624" cy="1"/>
+            </a:xfrm>
+            <a:prstGeom prst="straightConnector1">
+              <a:avLst/>
+            </a:prstGeom>
+            <a:ln>
+              <a:tailEnd type="triangle"/>
+            </a:ln>
+          </p:spPr>
+          <p:style>
+            <a:lnRef idx="3">
+              <a:schemeClr val="accent1"/>
+            </a:lnRef>
+            <a:fillRef idx="0">
+              <a:schemeClr val="accent1"/>
+            </a:fillRef>
+            <a:effectRef idx="2">
+              <a:schemeClr val="accent1"/>
+            </a:effectRef>
+            <a:fontRef idx="minor">
+              <a:schemeClr val="tx1"/>
+            </a:fontRef>
+          </p:style>
+        </p:cxnSp>
+        <p:cxnSp>
+          <p:nvCxnSpPr>
+            <p:cNvPr id="1038" name="Straight Arrow Connector 1037">
+              <a:extLst>
+                <a:ext uri="{FF2B5EF4-FFF2-40B4-BE49-F238E27FC236}">
+                  <a16:creationId xmlns:a16="http://schemas.microsoft.com/office/drawing/2014/main" id="{B823B933-A9EA-4F5C-9DDB-89AEE9901FE9}"/>
+                </a:ext>
+              </a:extLst>
+            </p:cNvPr>
+            <p:cNvCxnSpPr>
+              <a:stCxn id="52" idx="2"/>
+              <a:endCxn id="53" idx="0"/>
+            </p:cNvCxnSpPr>
+            <p:nvPr/>
+          </p:nvCxnSpPr>
+          <p:spPr>
+            <a:xfrm>
+              <a:off x="11962304" y="3214071"/>
+              <a:ext cx="175853" cy="5209"/>
+            </a:xfrm>
+            <a:prstGeom prst="straightConnector1">
+              <a:avLst/>
+            </a:prstGeom>
+            <a:ln>
+              <a:tailEnd type="triangle"/>
+            </a:ln>
+          </p:spPr>
+          <p:style>
+            <a:lnRef idx="3">
+              <a:schemeClr val="accent1"/>
+            </a:lnRef>
+            <a:fillRef idx="0">
+              <a:schemeClr val="accent1"/>
+            </a:fillRef>
+            <a:effectRef idx="2">
+              <a:schemeClr val="accent1"/>
+            </a:effectRef>
+            <a:fontRef idx="minor">
+              <a:schemeClr val="tx1"/>
+            </a:fontRef>
+          </p:style>
+        </p:cxnSp>
+        <p:sp>
+          <p:nvSpPr>
+            <p:cNvPr id="1039" name="TextBox 1038">
+              <a:extLst>
+                <a:ext uri="{FF2B5EF4-FFF2-40B4-BE49-F238E27FC236}">
+                  <a16:creationId xmlns:a16="http://schemas.microsoft.com/office/drawing/2014/main" id="{828F7D95-1B26-44A6-8BC6-022EAC62E5BD}"/>
+                </a:ext>
+              </a:extLst>
+            </p:cNvPr>
+            <p:cNvSpPr txBox="1"/>
+            <p:nvPr/>
+          </p:nvSpPr>
+          <p:spPr>
+            <a:xfrm>
+              <a:off x="364313" y="3904528"/>
+              <a:ext cx="1142993" cy="246221"/>
+            </a:xfrm>
+            <a:prstGeom prst="rect">
+              <a:avLst/>
+            </a:prstGeom>
             <a:noFill/>
-          </a:ln>
-        </p:spPr>
-        <p:style>
-          <a:lnRef idx="2">
-            <a:schemeClr val="dk1">
-              <a:shade val="50000"/>
-            </a:schemeClr>
-          </a:lnRef>
-          <a:fillRef idx="1">
-            <a:schemeClr val="dk1"/>
-          </a:fillRef>
-          <a:effectRef idx="0">
-            <a:schemeClr val="dk1"/>
-          </a:effectRef>
-          <a:fontRef idx="minor">
-            <a:schemeClr val="lt1"/>
-          </a:fontRef>
-        </p:style>
-        <p:txBody>
-          <a:bodyPr wrap="square" rtlCol="0">
-            <a:spAutoFit/>
-          </a:bodyPr>
-          <a:lstStyle/>
-          <a:p>
-            <a:pPr algn="ctr"/>
-            <a:r>
-              <a:rPr lang="pt-BR" sz="1000" b="1" dirty="0">
-                <a:solidFill>
-                  <a:schemeClr val="tx1"/>
-                </a:solidFill>
-              </a:rPr>
-              <a:t>70000 x 28 x 28</a:t>
-            </a:r>
-          </a:p>
-        </p:txBody>
-      </p:sp>
+            <a:ln>
+              <a:noFill/>
+            </a:ln>
+          </p:spPr>
+          <p:style>
+            <a:lnRef idx="2">
+              <a:schemeClr val="dk1">
+                <a:shade val="50000"/>
+              </a:schemeClr>
+            </a:lnRef>
+            <a:fillRef idx="1">
+              <a:schemeClr val="dk1"/>
+            </a:fillRef>
+            <a:effectRef idx="0">
+              <a:schemeClr val="dk1"/>
+            </a:effectRef>
+            <a:fontRef idx="minor">
+              <a:schemeClr val="lt1"/>
+            </a:fontRef>
+          </p:style>
+          <p:txBody>
+            <a:bodyPr wrap="square" rtlCol="0">
+              <a:spAutoFit/>
+            </a:bodyPr>
+            <a:lstStyle/>
+            <a:p>
+              <a:pPr algn="ctr"/>
+              <a:r>
+                <a:rPr lang="pt-BR" sz="1000" b="1" dirty="0">
+                  <a:solidFill>
+                    <a:schemeClr val="tx1"/>
+                  </a:solidFill>
+                </a:rPr>
+                <a:t>70000 x 28 x 28</a:t>
+              </a:r>
+            </a:p>
+          </p:txBody>
+        </p:sp>
+      </p:grpSp>
     </p:spTree>
     <p:extLst>
       <p:ext uri="{BB962C8B-B14F-4D97-AF65-F5344CB8AC3E}">
